--- a/Presentation1.pptx
+++ b/Presentation1.pptx
@@ -5,7 +5,7 @@
     <p:sldMasterId id="2147483648" r:id="rId1"/>
   </p:sldMasterIdLst>
   <p:sldIdLst>
-    <p:sldId id="257" r:id="rId2"/>
+    <p:sldId id="267" r:id="rId2"/>
     <p:sldId id="256" r:id="rId3"/>
     <p:sldId id="258" r:id="rId4"/>
     <p:sldId id="259" r:id="rId5"/>
@@ -114,6 +114,11 @@
       </a:defRPr>
     </a:lvl9pPr>
   </p:defaultTextStyle>
+  <p:extLst>
+    <p:ext uri="{EFAFB233-063F-42B5-8137-9DF3F51BA10A}">
+      <p15:sldGuideLst xmlns:p15="http://schemas.microsoft.com/office/powerpoint/2012/main"/>
+    </p:ext>
+  </p:extLst>
 </p:presentation>
 </file>
 
@@ -266,7 +271,7 @@
           <a:p>
             <a:fld id="{22633246-EF09-4F4C-B5E8-07CB6917BF4B}" type="datetimeFigureOut">
               <a:rPr lang="en-GB" smtClean="0"/>
-              <a:t>05/09/2021</a:t>
+              <a:t>07/09/2021</a:t>
             </a:fld>
             <a:endParaRPr lang="en-GB"/>
           </a:p>
@@ -466,7 +471,7 @@
           <a:p>
             <a:fld id="{22633246-EF09-4F4C-B5E8-07CB6917BF4B}" type="datetimeFigureOut">
               <a:rPr lang="en-GB" smtClean="0"/>
-              <a:t>05/09/2021</a:t>
+              <a:t>07/09/2021</a:t>
             </a:fld>
             <a:endParaRPr lang="en-GB"/>
           </a:p>
@@ -676,7 +681,7 @@
           <a:p>
             <a:fld id="{22633246-EF09-4F4C-B5E8-07CB6917BF4B}" type="datetimeFigureOut">
               <a:rPr lang="en-GB" smtClean="0"/>
-              <a:t>05/09/2021</a:t>
+              <a:t>07/09/2021</a:t>
             </a:fld>
             <a:endParaRPr lang="en-GB"/>
           </a:p>
@@ -876,7 +881,7 @@
           <a:p>
             <a:fld id="{22633246-EF09-4F4C-B5E8-07CB6917BF4B}" type="datetimeFigureOut">
               <a:rPr lang="en-GB" smtClean="0"/>
-              <a:t>05/09/2021</a:t>
+              <a:t>07/09/2021</a:t>
             </a:fld>
             <a:endParaRPr lang="en-GB"/>
           </a:p>
@@ -1152,7 +1157,7 @@
           <a:p>
             <a:fld id="{22633246-EF09-4F4C-B5E8-07CB6917BF4B}" type="datetimeFigureOut">
               <a:rPr lang="en-GB" smtClean="0"/>
-              <a:t>05/09/2021</a:t>
+              <a:t>07/09/2021</a:t>
             </a:fld>
             <a:endParaRPr lang="en-GB"/>
           </a:p>
@@ -1420,7 +1425,7 @@
           <a:p>
             <a:fld id="{22633246-EF09-4F4C-B5E8-07CB6917BF4B}" type="datetimeFigureOut">
               <a:rPr lang="en-GB" smtClean="0"/>
-              <a:t>05/09/2021</a:t>
+              <a:t>07/09/2021</a:t>
             </a:fld>
             <a:endParaRPr lang="en-GB"/>
           </a:p>
@@ -1835,7 +1840,7 @@
           <a:p>
             <a:fld id="{22633246-EF09-4F4C-B5E8-07CB6917BF4B}" type="datetimeFigureOut">
               <a:rPr lang="en-GB" smtClean="0"/>
-              <a:t>05/09/2021</a:t>
+              <a:t>07/09/2021</a:t>
             </a:fld>
             <a:endParaRPr lang="en-GB"/>
           </a:p>
@@ -1977,7 +1982,7 @@
           <a:p>
             <a:fld id="{22633246-EF09-4F4C-B5E8-07CB6917BF4B}" type="datetimeFigureOut">
               <a:rPr lang="en-GB" smtClean="0"/>
-              <a:t>05/09/2021</a:t>
+              <a:t>07/09/2021</a:t>
             </a:fld>
             <a:endParaRPr lang="en-GB"/>
           </a:p>
@@ -2090,7 +2095,7 @@
           <a:p>
             <a:fld id="{22633246-EF09-4F4C-B5E8-07CB6917BF4B}" type="datetimeFigureOut">
               <a:rPr lang="en-GB" smtClean="0"/>
-              <a:t>05/09/2021</a:t>
+              <a:t>07/09/2021</a:t>
             </a:fld>
             <a:endParaRPr lang="en-GB"/>
           </a:p>
@@ -2403,7 +2408,7 @@
           <a:p>
             <a:fld id="{22633246-EF09-4F4C-B5E8-07CB6917BF4B}" type="datetimeFigureOut">
               <a:rPr lang="en-GB" smtClean="0"/>
-              <a:t>05/09/2021</a:t>
+              <a:t>07/09/2021</a:t>
             </a:fld>
             <a:endParaRPr lang="en-GB"/>
           </a:p>
@@ -2692,7 +2697,7 @@
           <a:p>
             <a:fld id="{22633246-EF09-4F4C-B5E8-07CB6917BF4B}" type="datetimeFigureOut">
               <a:rPr lang="en-GB" smtClean="0"/>
-              <a:t>05/09/2021</a:t>
+              <a:t>07/09/2021</a:t>
             </a:fld>
             <a:endParaRPr lang="en-GB"/>
           </a:p>
@@ -2935,7 +2940,7 @@
           <a:p>
             <a:fld id="{22633246-EF09-4F4C-B5E8-07CB6917BF4B}" type="datetimeFigureOut">
               <a:rPr lang="en-GB" smtClean="0"/>
-              <a:t>05/09/2021</a:t>
+              <a:t>07/09/2021</a:t>
             </a:fld>
             <a:endParaRPr lang="en-GB"/>
           </a:p>
@@ -3496,10 +3501,382 @@
           </a:p>
         </p:txBody>
       </p:sp>
+      <p:pic>
+        <p:nvPicPr>
+          <p:cNvPr id="6" name="Picture 5">
+            <a:extLst>
+              <a:ext uri="{FF2B5EF4-FFF2-40B4-BE49-F238E27FC236}">
+                <a16:creationId xmlns:a16="http://schemas.microsoft.com/office/drawing/2014/main" id="{FB4D3987-EE3D-4CEA-803C-35A4E30D9311}"/>
+              </a:ext>
+            </a:extLst>
+          </p:cNvPr>
+          <p:cNvPicPr>
+            <a:picLocks noChangeAspect="1"/>
+          </p:cNvPicPr>
+          <p:nvPr/>
+        </p:nvPicPr>
+        <p:blipFill>
+          <a:blip r:embed="rId4"/>
+          <a:stretch>
+            <a:fillRect/>
+          </a:stretch>
+        </p:blipFill>
+        <p:spPr>
+          <a:xfrm>
+            <a:off x="9825606" y="1915050"/>
+            <a:ext cx="762000" cy="628650"/>
+          </a:xfrm>
+          <a:prstGeom prst="rect">
+            <a:avLst/>
+          </a:prstGeom>
+        </p:spPr>
+      </p:pic>
+      <p:pic>
+        <p:nvPicPr>
+          <p:cNvPr id="7" name="Picture 6">
+            <a:extLst>
+              <a:ext uri="{FF2B5EF4-FFF2-40B4-BE49-F238E27FC236}">
+                <a16:creationId xmlns:a16="http://schemas.microsoft.com/office/drawing/2014/main" id="{295D9FD5-41DB-4A96-A8A8-E000B30D5D61}"/>
+              </a:ext>
+            </a:extLst>
+          </p:cNvPr>
+          <p:cNvPicPr>
+            <a:picLocks noChangeAspect="1"/>
+          </p:cNvPicPr>
+          <p:nvPr/>
+        </p:nvPicPr>
+        <p:blipFill>
+          <a:blip r:embed="rId5"/>
+          <a:stretch>
+            <a:fillRect/>
+          </a:stretch>
+        </p:blipFill>
+        <p:spPr>
+          <a:xfrm>
+            <a:off x="9768456" y="2675100"/>
+            <a:ext cx="876300" cy="704850"/>
+          </a:xfrm>
+          <a:prstGeom prst="rect">
+            <a:avLst/>
+          </a:prstGeom>
+        </p:spPr>
+      </p:pic>
+      <p:pic>
+        <p:nvPicPr>
+          <p:cNvPr id="9" name="Picture 8">
+            <a:extLst>
+              <a:ext uri="{FF2B5EF4-FFF2-40B4-BE49-F238E27FC236}">
+                <a16:creationId xmlns:a16="http://schemas.microsoft.com/office/drawing/2014/main" id="{0B41E0BC-8D08-47B9-9E1C-EE5C4FD1444E}"/>
+              </a:ext>
+            </a:extLst>
+          </p:cNvPr>
+          <p:cNvPicPr>
+            <a:picLocks noChangeAspect="1"/>
+          </p:cNvPicPr>
+          <p:nvPr/>
+        </p:nvPicPr>
+        <p:blipFill>
+          <a:blip r:embed="rId6"/>
+          <a:stretch>
+            <a:fillRect/>
+          </a:stretch>
+        </p:blipFill>
+        <p:spPr>
+          <a:xfrm>
+            <a:off x="9782743" y="3511350"/>
+            <a:ext cx="847725" cy="581025"/>
+          </a:xfrm>
+          <a:prstGeom prst="rect">
+            <a:avLst/>
+          </a:prstGeom>
+        </p:spPr>
+      </p:pic>
+      <p:pic>
+        <p:nvPicPr>
+          <p:cNvPr id="11" name="Picture 10">
+            <a:extLst>
+              <a:ext uri="{FF2B5EF4-FFF2-40B4-BE49-F238E27FC236}">
+                <a16:creationId xmlns:a16="http://schemas.microsoft.com/office/drawing/2014/main" id="{3A51BFE1-B8D0-425D-A902-B4A97A643F14}"/>
+              </a:ext>
+            </a:extLst>
+          </p:cNvPr>
+          <p:cNvPicPr>
+            <a:picLocks noChangeAspect="1"/>
+          </p:cNvPicPr>
+          <p:nvPr/>
+        </p:nvPicPr>
+        <p:blipFill>
+          <a:blip r:embed="rId7"/>
+          <a:stretch>
+            <a:fillRect/>
+          </a:stretch>
+        </p:blipFill>
+        <p:spPr>
+          <a:xfrm>
+            <a:off x="9892281" y="4299459"/>
+            <a:ext cx="695325" cy="619125"/>
+          </a:xfrm>
+          <a:prstGeom prst="rect">
+            <a:avLst/>
+          </a:prstGeom>
+        </p:spPr>
+      </p:pic>
+      <p:sp>
+        <p:nvSpPr>
+          <p:cNvPr id="12" name="TextBox 11">
+            <a:extLst>
+              <a:ext uri="{FF2B5EF4-FFF2-40B4-BE49-F238E27FC236}">
+                <a16:creationId xmlns:a16="http://schemas.microsoft.com/office/drawing/2014/main" id="{FBA8E485-360E-4FB5-A1F7-1D7B40D06DFD}"/>
+              </a:ext>
+            </a:extLst>
+          </p:cNvPr>
+          <p:cNvSpPr txBox="1"/>
+          <p:nvPr/>
+        </p:nvSpPr>
+        <p:spPr>
+          <a:xfrm>
+            <a:off x="8173616" y="2039761"/>
+            <a:ext cx="1504061" cy="369332"/>
+          </a:xfrm>
+          <a:prstGeom prst="rect">
+            <a:avLst/>
+          </a:prstGeom>
+          <a:noFill/>
+        </p:spPr>
+        <p:txBody>
+          <a:bodyPr wrap="square" rtlCol="0">
+            <a:spAutoFit/>
+          </a:bodyPr>
+          <a:lstStyle/>
+          <a:p>
+            <a:r>
+              <a:rPr lang="en-US" b="1" dirty="0"/>
+              <a:t>round, yellow</a:t>
+            </a:r>
+            <a:endParaRPr lang="en-GB" b="1" dirty="0"/>
+          </a:p>
+        </p:txBody>
+      </p:sp>
+      <p:sp>
+        <p:nvSpPr>
+          <p:cNvPr id="13" name="TextBox 12">
+            <a:extLst>
+              <a:ext uri="{FF2B5EF4-FFF2-40B4-BE49-F238E27FC236}">
+                <a16:creationId xmlns:a16="http://schemas.microsoft.com/office/drawing/2014/main" id="{A0BACC1E-C435-4673-8778-6C16301B6094}"/>
+              </a:ext>
+            </a:extLst>
+          </p:cNvPr>
+          <p:cNvSpPr txBox="1"/>
+          <p:nvPr/>
+        </p:nvSpPr>
+        <p:spPr>
+          <a:xfrm>
+            <a:off x="8173616" y="2865060"/>
+            <a:ext cx="1504061" cy="369332"/>
+          </a:xfrm>
+          <a:prstGeom prst="rect">
+            <a:avLst/>
+          </a:prstGeom>
+          <a:noFill/>
+        </p:spPr>
+        <p:txBody>
+          <a:bodyPr wrap="square" rtlCol="0">
+            <a:spAutoFit/>
+          </a:bodyPr>
+          <a:lstStyle/>
+          <a:p>
+            <a:r>
+              <a:rPr lang="en-US" b="1" dirty="0"/>
+              <a:t>round, green</a:t>
+            </a:r>
+            <a:endParaRPr lang="en-GB" b="1" dirty="0"/>
+          </a:p>
+        </p:txBody>
+      </p:sp>
+      <p:sp>
+        <p:nvSpPr>
+          <p:cNvPr id="14" name="TextBox 13">
+            <a:extLst>
+              <a:ext uri="{FF2B5EF4-FFF2-40B4-BE49-F238E27FC236}">
+                <a16:creationId xmlns:a16="http://schemas.microsoft.com/office/drawing/2014/main" id="{F463F52B-A7C8-4538-A4C4-13111C9D9CC1}"/>
+              </a:ext>
+            </a:extLst>
+          </p:cNvPr>
+          <p:cNvSpPr txBox="1"/>
+          <p:nvPr/>
+        </p:nvSpPr>
+        <p:spPr>
+          <a:xfrm>
+            <a:off x="8173616" y="3668011"/>
+            <a:ext cx="1819470" cy="369332"/>
+          </a:xfrm>
+          <a:prstGeom prst="rect">
+            <a:avLst/>
+          </a:prstGeom>
+          <a:noFill/>
+        </p:spPr>
+        <p:txBody>
+          <a:bodyPr wrap="square" rtlCol="0">
+            <a:spAutoFit/>
+          </a:bodyPr>
+          <a:lstStyle/>
+          <a:p>
+            <a:r>
+              <a:rPr lang="en-US" b="1" dirty="0"/>
+              <a:t>wrinkled, yellow</a:t>
+            </a:r>
+            <a:endParaRPr lang="en-GB" b="1" dirty="0"/>
+          </a:p>
+        </p:txBody>
+      </p:sp>
+      <p:sp>
+        <p:nvSpPr>
+          <p:cNvPr id="15" name="TextBox 14">
+            <a:extLst>
+              <a:ext uri="{FF2B5EF4-FFF2-40B4-BE49-F238E27FC236}">
+                <a16:creationId xmlns:a16="http://schemas.microsoft.com/office/drawing/2014/main" id="{EF2BEFE5-14C6-4D80-B9B9-D67DD4A79E9C}"/>
+              </a:ext>
+            </a:extLst>
+          </p:cNvPr>
+          <p:cNvSpPr txBox="1"/>
+          <p:nvPr/>
+        </p:nvSpPr>
+        <p:spPr>
+          <a:xfrm>
+            <a:off x="8173616" y="4505761"/>
+            <a:ext cx="1819470" cy="369332"/>
+          </a:xfrm>
+          <a:prstGeom prst="rect">
+            <a:avLst/>
+          </a:prstGeom>
+          <a:noFill/>
+        </p:spPr>
+        <p:txBody>
+          <a:bodyPr wrap="square" rtlCol="0">
+            <a:spAutoFit/>
+          </a:bodyPr>
+          <a:lstStyle/>
+          <a:p>
+            <a:r>
+              <a:rPr lang="en-US" b="1" dirty="0"/>
+              <a:t>wrinkled, green</a:t>
+            </a:r>
+            <a:endParaRPr lang="en-GB" b="1" dirty="0"/>
+          </a:p>
+        </p:txBody>
+      </p:sp>
+      <p:sp>
+        <p:nvSpPr>
+          <p:cNvPr id="2" name="Rectangle 1">
+            <a:extLst>
+              <a:ext uri="{FF2B5EF4-FFF2-40B4-BE49-F238E27FC236}">
+                <a16:creationId xmlns:a16="http://schemas.microsoft.com/office/drawing/2014/main" id="{A56F6C30-EC7F-4D0A-8CD3-5F46D9535988}"/>
+              </a:ext>
+            </a:extLst>
+          </p:cNvPr>
+          <p:cNvSpPr/>
+          <p:nvPr/>
+        </p:nvSpPr>
+        <p:spPr>
+          <a:xfrm>
+            <a:off x="1812022" y="759934"/>
+            <a:ext cx="2332139" cy="389477"/>
+          </a:xfrm>
+          <a:prstGeom prst="rect">
+            <a:avLst/>
+          </a:prstGeom>
+          <a:solidFill>
+            <a:schemeClr val="bg1"/>
+          </a:solidFill>
+          <a:ln>
+            <a:solidFill>
+              <a:schemeClr val="bg1"/>
+            </a:solidFill>
+          </a:ln>
+        </p:spPr>
+        <p:style>
+          <a:lnRef idx="2">
+            <a:schemeClr val="accent1">
+              <a:shade val="50000"/>
+            </a:schemeClr>
+          </a:lnRef>
+          <a:fillRef idx="1">
+            <a:schemeClr val="accent1"/>
+          </a:fillRef>
+          <a:effectRef idx="0">
+            <a:schemeClr val="accent1"/>
+          </a:effectRef>
+          <a:fontRef idx="minor">
+            <a:schemeClr val="lt1"/>
+          </a:fontRef>
+        </p:style>
+        <p:txBody>
+          <a:bodyPr rtlCol="0" anchor="ctr"/>
+          <a:lstStyle/>
+          <a:p>
+            <a:pPr algn="ctr"/>
+            <a:endParaRPr lang="en-GB"/>
+          </a:p>
+        </p:txBody>
+      </p:sp>
+      <p:sp>
+        <p:nvSpPr>
+          <p:cNvPr id="16" name="Rectangle 15">
+            <a:extLst>
+              <a:ext uri="{FF2B5EF4-FFF2-40B4-BE49-F238E27FC236}">
+                <a16:creationId xmlns:a16="http://schemas.microsoft.com/office/drawing/2014/main" id="{E48B5589-B66B-44E8-8007-8B75FD3F2001}"/>
+              </a:ext>
+            </a:extLst>
+          </p:cNvPr>
+          <p:cNvSpPr/>
+          <p:nvPr/>
+        </p:nvSpPr>
+        <p:spPr>
+          <a:xfrm>
+            <a:off x="421674" y="2975824"/>
+            <a:ext cx="1102488" cy="906351"/>
+          </a:xfrm>
+          <a:prstGeom prst="rect">
+            <a:avLst/>
+          </a:prstGeom>
+          <a:solidFill>
+            <a:schemeClr val="bg1"/>
+          </a:solidFill>
+          <a:ln>
+            <a:solidFill>
+              <a:schemeClr val="bg1"/>
+            </a:solidFill>
+          </a:ln>
+        </p:spPr>
+        <p:style>
+          <a:lnRef idx="2">
+            <a:schemeClr val="accent1">
+              <a:shade val="50000"/>
+            </a:schemeClr>
+          </a:lnRef>
+          <a:fillRef idx="1">
+            <a:schemeClr val="accent1"/>
+          </a:fillRef>
+          <a:effectRef idx="0">
+            <a:schemeClr val="accent1"/>
+          </a:effectRef>
+          <a:fontRef idx="minor">
+            <a:schemeClr val="lt1"/>
+          </a:fontRef>
+        </p:style>
+        <p:txBody>
+          <a:bodyPr rtlCol="0" anchor="ctr"/>
+          <a:lstStyle/>
+          <a:p>
+            <a:pPr algn="ctr"/>
+            <a:endParaRPr lang="en-GB"/>
+          </a:p>
+        </p:txBody>
+      </p:sp>
     </p:spTree>
     <p:extLst>
       <p:ext uri="{BB962C8B-B14F-4D97-AF65-F5344CB8AC3E}">
-        <p14:creationId xmlns:p14="http://schemas.microsoft.com/office/powerpoint/2010/main" val="2549197502"/>
+        <p14:creationId xmlns:p14="http://schemas.microsoft.com/office/powerpoint/2010/main" val="2855903547"/>
       </p:ext>
     </p:extLst>
   </p:cSld>
@@ -4908,6 +5285,378 @@
           </a:p>
         </p:txBody>
       </p:sp>
+      <p:pic>
+        <p:nvPicPr>
+          <p:cNvPr id="9" name="Picture 8">
+            <a:extLst>
+              <a:ext uri="{FF2B5EF4-FFF2-40B4-BE49-F238E27FC236}">
+                <a16:creationId xmlns:a16="http://schemas.microsoft.com/office/drawing/2014/main" id="{72AB389E-4BE1-4EB9-8053-4B236D2B1F39}"/>
+              </a:ext>
+            </a:extLst>
+          </p:cNvPr>
+          <p:cNvPicPr>
+            <a:picLocks noChangeAspect="1"/>
+          </p:cNvPicPr>
+          <p:nvPr/>
+        </p:nvPicPr>
+        <p:blipFill>
+          <a:blip r:embed="rId4"/>
+          <a:stretch>
+            <a:fillRect/>
+          </a:stretch>
+        </p:blipFill>
+        <p:spPr>
+          <a:xfrm>
+            <a:off x="9825606" y="1915050"/>
+            <a:ext cx="762000" cy="628650"/>
+          </a:xfrm>
+          <a:prstGeom prst="rect">
+            <a:avLst/>
+          </a:prstGeom>
+        </p:spPr>
+      </p:pic>
+      <p:pic>
+        <p:nvPicPr>
+          <p:cNvPr id="11" name="Picture 10">
+            <a:extLst>
+              <a:ext uri="{FF2B5EF4-FFF2-40B4-BE49-F238E27FC236}">
+                <a16:creationId xmlns:a16="http://schemas.microsoft.com/office/drawing/2014/main" id="{34BDE347-0186-4B27-A8BA-4F4FDF7ECB7F}"/>
+              </a:ext>
+            </a:extLst>
+          </p:cNvPr>
+          <p:cNvPicPr>
+            <a:picLocks noChangeAspect="1"/>
+          </p:cNvPicPr>
+          <p:nvPr/>
+        </p:nvPicPr>
+        <p:blipFill>
+          <a:blip r:embed="rId5"/>
+          <a:stretch>
+            <a:fillRect/>
+          </a:stretch>
+        </p:blipFill>
+        <p:spPr>
+          <a:xfrm>
+            <a:off x="9768456" y="2675100"/>
+            <a:ext cx="876300" cy="704850"/>
+          </a:xfrm>
+          <a:prstGeom prst="rect">
+            <a:avLst/>
+          </a:prstGeom>
+        </p:spPr>
+      </p:pic>
+      <p:pic>
+        <p:nvPicPr>
+          <p:cNvPr id="12" name="Picture 11">
+            <a:extLst>
+              <a:ext uri="{FF2B5EF4-FFF2-40B4-BE49-F238E27FC236}">
+                <a16:creationId xmlns:a16="http://schemas.microsoft.com/office/drawing/2014/main" id="{F766FD09-40EF-4E2A-9EC4-08A7842D6085}"/>
+              </a:ext>
+            </a:extLst>
+          </p:cNvPr>
+          <p:cNvPicPr>
+            <a:picLocks noChangeAspect="1"/>
+          </p:cNvPicPr>
+          <p:nvPr/>
+        </p:nvPicPr>
+        <p:blipFill>
+          <a:blip r:embed="rId6"/>
+          <a:stretch>
+            <a:fillRect/>
+          </a:stretch>
+        </p:blipFill>
+        <p:spPr>
+          <a:xfrm>
+            <a:off x="9782743" y="3511350"/>
+            <a:ext cx="847725" cy="581025"/>
+          </a:xfrm>
+          <a:prstGeom prst="rect">
+            <a:avLst/>
+          </a:prstGeom>
+        </p:spPr>
+      </p:pic>
+      <p:pic>
+        <p:nvPicPr>
+          <p:cNvPr id="13" name="Picture 12">
+            <a:extLst>
+              <a:ext uri="{FF2B5EF4-FFF2-40B4-BE49-F238E27FC236}">
+                <a16:creationId xmlns:a16="http://schemas.microsoft.com/office/drawing/2014/main" id="{4838E58A-8509-422F-9C13-C4536B2DEFE1}"/>
+              </a:ext>
+            </a:extLst>
+          </p:cNvPr>
+          <p:cNvPicPr>
+            <a:picLocks noChangeAspect="1"/>
+          </p:cNvPicPr>
+          <p:nvPr/>
+        </p:nvPicPr>
+        <p:blipFill>
+          <a:blip r:embed="rId7"/>
+          <a:stretch>
+            <a:fillRect/>
+          </a:stretch>
+        </p:blipFill>
+        <p:spPr>
+          <a:xfrm>
+            <a:off x="9892281" y="4299459"/>
+            <a:ext cx="695325" cy="619125"/>
+          </a:xfrm>
+          <a:prstGeom prst="rect">
+            <a:avLst/>
+          </a:prstGeom>
+        </p:spPr>
+      </p:pic>
+      <p:sp>
+        <p:nvSpPr>
+          <p:cNvPr id="14" name="TextBox 13">
+            <a:extLst>
+              <a:ext uri="{FF2B5EF4-FFF2-40B4-BE49-F238E27FC236}">
+                <a16:creationId xmlns:a16="http://schemas.microsoft.com/office/drawing/2014/main" id="{69D387EC-1A64-4B21-AE68-4024FC457154}"/>
+              </a:ext>
+            </a:extLst>
+          </p:cNvPr>
+          <p:cNvSpPr txBox="1"/>
+          <p:nvPr/>
+        </p:nvSpPr>
+        <p:spPr>
+          <a:xfrm>
+            <a:off x="8173616" y="2039761"/>
+            <a:ext cx="1504061" cy="369332"/>
+          </a:xfrm>
+          <a:prstGeom prst="rect">
+            <a:avLst/>
+          </a:prstGeom>
+          <a:noFill/>
+        </p:spPr>
+        <p:txBody>
+          <a:bodyPr wrap="square" rtlCol="0">
+            <a:spAutoFit/>
+          </a:bodyPr>
+          <a:lstStyle/>
+          <a:p>
+            <a:r>
+              <a:rPr lang="en-US" b="1" dirty="0"/>
+              <a:t>round, yellow</a:t>
+            </a:r>
+            <a:endParaRPr lang="en-GB" b="1" dirty="0"/>
+          </a:p>
+        </p:txBody>
+      </p:sp>
+      <p:sp>
+        <p:nvSpPr>
+          <p:cNvPr id="15" name="TextBox 14">
+            <a:extLst>
+              <a:ext uri="{FF2B5EF4-FFF2-40B4-BE49-F238E27FC236}">
+                <a16:creationId xmlns:a16="http://schemas.microsoft.com/office/drawing/2014/main" id="{5B9BA739-C492-4542-8BB8-BD6F87499862}"/>
+              </a:ext>
+            </a:extLst>
+          </p:cNvPr>
+          <p:cNvSpPr txBox="1"/>
+          <p:nvPr/>
+        </p:nvSpPr>
+        <p:spPr>
+          <a:xfrm>
+            <a:off x="8173616" y="2865060"/>
+            <a:ext cx="1504061" cy="369332"/>
+          </a:xfrm>
+          <a:prstGeom prst="rect">
+            <a:avLst/>
+          </a:prstGeom>
+          <a:noFill/>
+        </p:spPr>
+        <p:txBody>
+          <a:bodyPr wrap="square" rtlCol="0">
+            <a:spAutoFit/>
+          </a:bodyPr>
+          <a:lstStyle/>
+          <a:p>
+            <a:r>
+              <a:rPr lang="en-US" b="1" dirty="0"/>
+              <a:t>round, green</a:t>
+            </a:r>
+            <a:endParaRPr lang="en-GB" b="1" dirty="0"/>
+          </a:p>
+        </p:txBody>
+      </p:sp>
+      <p:sp>
+        <p:nvSpPr>
+          <p:cNvPr id="16" name="TextBox 15">
+            <a:extLst>
+              <a:ext uri="{FF2B5EF4-FFF2-40B4-BE49-F238E27FC236}">
+                <a16:creationId xmlns:a16="http://schemas.microsoft.com/office/drawing/2014/main" id="{38BA9164-3E77-4935-9258-86A4E2310F78}"/>
+              </a:ext>
+            </a:extLst>
+          </p:cNvPr>
+          <p:cNvSpPr txBox="1"/>
+          <p:nvPr/>
+        </p:nvSpPr>
+        <p:spPr>
+          <a:xfrm>
+            <a:off x="8173616" y="3668011"/>
+            <a:ext cx="1819470" cy="369332"/>
+          </a:xfrm>
+          <a:prstGeom prst="rect">
+            <a:avLst/>
+          </a:prstGeom>
+          <a:noFill/>
+        </p:spPr>
+        <p:txBody>
+          <a:bodyPr wrap="square" rtlCol="0">
+            <a:spAutoFit/>
+          </a:bodyPr>
+          <a:lstStyle/>
+          <a:p>
+            <a:r>
+              <a:rPr lang="en-US" b="1" dirty="0"/>
+              <a:t>wrinkled, yellow</a:t>
+            </a:r>
+            <a:endParaRPr lang="en-GB" b="1" dirty="0"/>
+          </a:p>
+        </p:txBody>
+      </p:sp>
+      <p:sp>
+        <p:nvSpPr>
+          <p:cNvPr id="18" name="TextBox 17">
+            <a:extLst>
+              <a:ext uri="{FF2B5EF4-FFF2-40B4-BE49-F238E27FC236}">
+                <a16:creationId xmlns:a16="http://schemas.microsoft.com/office/drawing/2014/main" id="{252BED99-BA2D-4C10-BAE5-B35C4FD74703}"/>
+              </a:ext>
+            </a:extLst>
+          </p:cNvPr>
+          <p:cNvSpPr txBox="1"/>
+          <p:nvPr/>
+        </p:nvSpPr>
+        <p:spPr>
+          <a:xfrm>
+            <a:off x="8173616" y="4505761"/>
+            <a:ext cx="1819470" cy="369332"/>
+          </a:xfrm>
+          <a:prstGeom prst="rect">
+            <a:avLst/>
+          </a:prstGeom>
+          <a:noFill/>
+        </p:spPr>
+        <p:txBody>
+          <a:bodyPr wrap="square" rtlCol="0">
+            <a:spAutoFit/>
+          </a:bodyPr>
+          <a:lstStyle/>
+          <a:p>
+            <a:r>
+              <a:rPr lang="en-US" b="1" dirty="0"/>
+              <a:t>wrinkled, green</a:t>
+            </a:r>
+            <a:endParaRPr lang="en-GB" b="1" dirty="0"/>
+          </a:p>
+        </p:txBody>
+      </p:sp>
+      <p:sp>
+        <p:nvSpPr>
+          <p:cNvPr id="20" name="Rectangle 19">
+            <a:extLst>
+              <a:ext uri="{FF2B5EF4-FFF2-40B4-BE49-F238E27FC236}">
+                <a16:creationId xmlns:a16="http://schemas.microsoft.com/office/drawing/2014/main" id="{33475687-5C76-4351-B953-EAA781275A2B}"/>
+              </a:ext>
+            </a:extLst>
+          </p:cNvPr>
+          <p:cNvSpPr/>
+          <p:nvPr/>
+        </p:nvSpPr>
+        <p:spPr>
+          <a:xfrm>
+            <a:off x="1812022" y="759934"/>
+            <a:ext cx="2332139" cy="389477"/>
+          </a:xfrm>
+          <a:prstGeom prst="rect">
+            <a:avLst/>
+          </a:prstGeom>
+          <a:solidFill>
+            <a:schemeClr val="bg1"/>
+          </a:solidFill>
+          <a:ln>
+            <a:solidFill>
+              <a:schemeClr val="bg1"/>
+            </a:solidFill>
+          </a:ln>
+        </p:spPr>
+        <p:style>
+          <a:lnRef idx="2">
+            <a:schemeClr val="accent1">
+              <a:shade val="50000"/>
+            </a:schemeClr>
+          </a:lnRef>
+          <a:fillRef idx="1">
+            <a:schemeClr val="accent1"/>
+          </a:fillRef>
+          <a:effectRef idx="0">
+            <a:schemeClr val="accent1"/>
+          </a:effectRef>
+          <a:fontRef idx="minor">
+            <a:schemeClr val="lt1"/>
+          </a:fontRef>
+        </p:style>
+        <p:txBody>
+          <a:bodyPr rtlCol="0" anchor="ctr"/>
+          <a:lstStyle/>
+          <a:p>
+            <a:pPr algn="ctr"/>
+            <a:endParaRPr lang="en-GB"/>
+          </a:p>
+        </p:txBody>
+      </p:sp>
+      <p:sp>
+        <p:nvSpPr>
+          <p:cNvPr id="21" name="Rectangle 20">
+            <a:extLst>
+              <a:ext uri="{FF2B5EF4-FFF2-40B4-BE49-F238E27FC236}">
+                <a16:creationId xmlns:a16="http://schemas.microsoft.com/office/drawing/2014/main" id="{CD7BCB9B-1F57-45E7-A1C6-D6C8B2F8B2C6}"/>
+              </a:ext>
+            </a:extLst>
+          </p:cNvPr>
+          <p:cNvSpPr/>
+          <p:nvPr/>
+        </p:nvSpPr>
+        <p:spPr>
+          <a:xfrm>
+            <a:off x="421674" y="2975824"/>
+            <a:ext cx="1102488" cy="906351"/>
+          </a:xfrm>
+          <a:prstGeom prst="rect">
+            <a:avLst/>
+          </a:prstGeom>
+          <a:solidFill>
+            <a:schemeClr val="bg1"/>
+          </a:solidFill>
+          <a:ln>
+            <a:solidFill>
+              <a:schemeClr val="bg1"/>
+            </a:solidFill>
+          </a:ln>
+        </p:spPr>
+        <p:style>
+          <a:lnRef idx="2">
+            <a:schemeClr val="accent1">
+              <a:shade val="50000"/>
+            </a:schemeClr>
+          </a:lnRef>
+          <a:fillRef idx="1">
+            <a:schemeClr val="accent1"/>
+          </a:fillRef>
+          <a:effectRef idx="0">
+            <a:schemeClr val="accent1"/>
+          </a:effectRef>
+          <a:fontRef idx="minor">
+            <a:schemeClr val="lt1"/>
+          </a:fontRef>
+        </p:style>
+        <p:txBody>
+          <a:bodyPr rtlCol="0" anchor="ctr"/>
+          <a:lstStyle/>
+          <a:p>
+            <a:pPr algn="ctr"/>
+            <a:endParaRPr lang="en-GB"/>
+          </a:p>
+        </p:txBody>
+      </p:sp>
     </p:spTree>
     <p:extLst>
       <p:ext uri="{BB962C8B-B14F-4D97-AF65-F5344CB8AC3E}">
@@ -5298,6 +6047,378 @@
           </a:p>
         </p:txBody>
       </p:sp>
+      <p:pic>
+        <p:nvPicPr>
+          <p:cNvPr id="11" name="Picture 10">
+            <a:extLst>
+              <a:ext uri="{FF2B5EF4-FFF2-40B4-BE49-F238E27FC236}">
+                <a16:creationId xmlns:a16="http://schemas.microsoft.com/office/drawing/2014/main" id="{185125B6-258F-4425-ADEC-EF7BD441B3D1}"/>
+              </a:ext>
+            </a:extLst>
+          </p:cNvPr>
+          <p:cNvPicPr>
+            <a:picLocks noChangeAspect="1"/>
+          </p:cNvPicPr>
+          <p:nvPr/>
+        </p:nvPicPr>
+        <p:blipFill>
+          <a:blip r:embed="rId4"/>
+          <a:stretch>
+            <a:fillRect/>
+          </a:stretch>
+        </p:blipFill>
+        <p:spPr>
+          <a:xfrm>
+            <a:off x="9825606" y="1915050"/>
+            <a:ext cx="762000" cy="628650"/>
+          </a:xfrm>
+          <a:prstGeom prst="rect">
+            <a:avLst/>
+          </a:prstGeom>
+        </p:spPr>
+      </p:pic>
+      <p:pic>
+        <p:nvPicPr>
+          <p:cNvPr id="12" name="Picture 11">
+            <a:extLst>
+              <a:ext uri="{FF2B5EF4-FFF2-40B4-BE49-F238E27FC236}">
+                <a16:creationId xmlns:a16="http://schemas.microsoft.com/office/drawing/2014/main" id="{C12BF24D-A4F7-4804-8C0B-4E5481F3067E}"/>
+              </a:ext>
+            </a:extLst>
+          </p:cNvPr>
+          <p:cNvPicPr>
+            <a:picLocks noChangeAspect="1"/>
+          </p:cNvPicPr>
+          <p:nvPr/>
+        </p:nvPicPr>
+        <p:blipFill>
+          <a:blip r:embed="rId5"/>
+          <a:stretch>
+            <a:fillRect/>
+          </a:stretch>
+        </p:blipFill>
+        <p:spPr>
+          <a:xfrm>
+            <a:off x="9768456" y="2675100"/>
+            <a:ext cx="876300" cy="704850"/>
+          </a:xfrm>
+          <a:prstGeom prst="rect">
+            <a:avLst/>
+          </a:prstGeom>
+        </p:spPr>
+      </p:pic>
+      <p:pic>
+        <p:nvPicPr>
+          <p:cNvPr id="13" name="Picture 12">
+            <a:extLst>
+              <a:ext uri="{FF2B5EF4-FFF2-40B4-BE49-F238E27FC236}">
+                <a16:creationId xmlns:a16="http://schemas.microsoft.com/office/drawing/2014/main" id="{4BC6A20F-7058-48A5-9033-E6A33DF74EB8}"/>
+              </a:ext>
+            </a:extLst>
+          </p:cNvPr>
+          <p:cNvPicPr>
+            <a:picLocks noChangeAspect="1"/>
+          </p:cNvPicPr>
+          <p:nvPr/>
+        </p:nvPicPr>
+        <p:blipFill>
+          <a:blip r:embed="rId6"/>
+          <a:stretch>
+            <a:fillRect/>
+          </a:stretch>
+        </p:blipFill>
+        <p:spPr>
+          <a:xfrm>
+            <a:off x="9782743" y="3511350"/>
+            <a:ext cx="847725" cy="581025"/>
+          </a:xfrm>
+          <a:prstGeom prst="rect">
+            <a:avLst/>
+          </a:prstGeom>
+        </p:spPr>
+      </p:pic>
+      <p:pic>
+        <p:nvPicPr>
+          <p:cNvPr id="15" name="Picture 14">
+            <a:extLst>
+              <a:ext uri="{FF2B5EF4-FFF2-40B4-BE49-F238E27FC236}">
+                <a16:creationId xmlns:a16="http://schemas.microsoft.com/office/drawing/2014/main" id="{D6F2F225-8883-464C-ACD3-125751239383}"/>
+              </a:ext>
+            </a:extLst>
+          </p:cNvPr>
+          <p:cNvPicPr>
+            <a:picLocks noChangeAspect="1"/>
+          </p:cNvPicPr>
+          <p:nvPr/>
+        </p:nvPicPr>
+        <p:blipFill>
+          <a:blip r:embed="rId7"/>
+          <a:stretch>
+            <a:fillRect/>
+          </a:stretch>
+        </p:blipFill>
+        <p:spPr>
+          <a:xfrm>
+            <a:off x="9892281" y="4299459"/>
+            <a:ext cx="695325" cy="619125"/>
+          </a:xfrm>
+          <a:prstGeom prst="rect">
+            <a:avLst/>
+          </a:prstGeom>
+        </p:spPr>
+      </p:pic>
+      <p:sp>
+        <p:nvSpPr>
+          <p:cNvPr id="16" name="TextBox 15">
+            <a:extLst>
+              <a:ext uri="{FF2B5EF4-FFF2-40B4-BE49-F238E27FC236}">
+                <a16:creationId xmlns:a16="http://schemas.microsoft.com/office/drawing/2014/main" id="{246C3ECF-B123-45B3-AD35-FDE01FDD9715}"/>
+              </a:ext>
+            </a:extLst>
+          </p:cNvPr>
+          <p:cNvSpPr txBox="1"/>
+          <p:nvPr/>
+        </p:nvSpPr>
+        <p:spPr>
+          <a:xfrm>
+            <a:off x="8173616" y="2039761"/>
+            <a:ext cx="1504061" cy="369332"/>
+          </a:xfrm>
+          <a:prstGeom prst="rect">
+            <a:avLst/>
+          </a:prstGeom>
+          <a:noFill/>
+        </p:spPr>
+        <p:txBody>
+          <a:bodyPr wrap="square" rtlCol="0">
+            <a:spAutoFit/>
+          </a:bodyPr>
+          <a:lstStyle/>
+          <a:p>
+            <a:r>
+              <a:rPr lang="en-US" b="1" dirty="0"/>
+              <a:t>round, yellow</a:t>
+            </a:r>
+            <a:endParaRPr lang="en-GB" b="1" dirty="0"/>
+          </a:p>
+        </p:txBody>
+      </p:sp>
+      <p:sp>
+        <p:nvSpPr>
+          <p:cNvPr id="18" name="TextBox 17">
+            <a:extLst>
+              <a:ext uri="{FF2B5EF4-FFF2-40B4-BE49-F238E27FC236}">
+                <a16:creationId xmlns:a16="http://schemas.microsoft.com/office/drawing/2014/main" id="{D0604493-EBF6-4430-82DC-D3F88F02DFBD}"/>
+              </a:ext>
+            </a:extLst>
+          </p:cNvPr>
+          <p:cNvSpPr txBox="1"/>
+          <p:nvPr/>
+        </p:nvSpPr>
+        <p:spPr>
+          <a:xfrm>
+            <a:off x="8173616" y="2865060"/>
+            <a:ext cx="1504061" cy="369332"/>
+          </a:xfrm>
+          <a:prstGeom prst="rect">
+            <a:avLst/>
+          </a:prstGeom>
+          <a:noFill/>
+        </p:spPr>
+        <p:txBody>
+          <a:bodyPr wrap="square" rtlCol="0">
+            <a:spAutoFit/>
+          </a:bodyPr>
+          <a:lstStyle/>
+          <a:p>
+            <a:r>
+              <a:rPr lang="en-US" b="1" dirty="0"/>
+              <a:t>round, green</a:t>
+            </a:r>
+            <a:endParaRPr lang="en-GB" b="1" dirty="0"/>
+          </a:p>
+        </p:txBody>
+      </p:sp>
+      <p:sp>
+        <p:nvSpPr>
+          <p:cNvPr id="20" name="TextBox 19">
+            <a:extLst>
+              <a:ext uri="{FF2B5EF4-FFF2-40B4-BE49-F238E27FC236}">
+                <a16:creationId xmlns:a16="http://schemas.microsoft.com/office/drawing/2014/main" id="{AEC37FFB-A37E-4A7B-ABD9-87223DFE4044}"/>
+              </a:ext>
+            </a:extLst>
+          </p:cNvPr>
+          <p:cNvSpPr txBox="1"/>
+          <p:nvPr/>
+        </p:nvSpPr>
+        <p:spPr>
+          <a:xfrm>
+            <a:off x="8173616" y="3668011"/>
+            <a:ext cx="1819470" cy="369332"/>
+          </a:xfrm>
+          <a:prstGeom prst="rect">
+            <a:avLst/>
+          </a:prstGeom>
+          <a:noFill/>
+        </p:spPr>
+        <p:txBody>
+          <a:bodyPr wrap="square" rtlCol="0">
+            <a:spAutoFit/>
+          </a:bodyPr>
+          <a:lstStyle/>
+          <a:p>
+            <a:r>
+              <a:rPr lang="en-US" b="1" dirty="0"/>
+              <a:t>wrinkled, yellow</a:t>
+            </a:r>
+            <a:endParaRPr lang="en-GB" b="1" dirty="0"/>
+          </a:p>
+        </p:txBody>
+      </p:sp>
+      <p:sp>
+        <p:nvSpPr>
+          <p:cNvPr id="21" name="TextBox 20">
+            <a:extLst>
+              <a:ext uri="{FF2B5EF4-FFF2-40B4-BE49-F238E27FC236}">
+                <a16:creationId xmlns:a16="http://schemas.microsoft.com/office/drawing/2014/main" id="{A3C15A23-8D9F-49B8-8022-215427E98466}"/>
+              </a:ext>
+            </a:extLst>
+          </p:cNvPr>
+          <p:cNvSpPr txBox="1"/>
+          <p:nvPr/>
+        </p:nvSpPr>
+        <p:spPr>
+          <a:xfrm>
+            <a:off x="8173616" y="4505761"/>
+            <a:ext cx="1819470" cy="369332"/>
+          </a:xfrm>
+          <a:prstGeom prst="rect">
+            <a:avLst/>
+          </a:prstGeom>
+          <a:noFill/>
+        </p:spPr>
+        <p:txBody>
+          <a:bodyPr wrap="square" rtlCol="0">
+            <a:spAutoFit/>
+          </a:bodyPr>
+          <a:lstStyle/>
+          <a:p>
+            <a:r>
+              <a:rPr lang="en-US" b="1" dirty="0"/>
+              <a:t>wrinkled, green</a:t>
+            </a:r>
+            <a:endParaRPr lang="en-GB" b="1" dirty="0"/>
+          </a:p>
+        </p:txBody>
+      </p:sp>
+      <p:sp>
+        <p:nvSpPr>
+          <p:cNvPr id="22" name="Rectangle 21">
+            <a:extLst>
+              <a:ext uri="{FF2B5EF4-FFF2-40B4-BE49-F238E27FC236}">
+                <a16:creationId xmlns:a16="http://schemas.microsoft.com/office/drawing/2014/main" id="{4D49889D-1D64-486B-AAD3-8F6F459FC480}"/>
+              </a:ext>
+            </a:extLst>
+          </p:cNvPr>
+          <p:cNvSpPr/>
+          <p:nvPr/>
+        </p:nvSpPr>
+        <p:spPr>
+          <a:xfrm>
+            <a:off x="1812022" y="759934"/>
+            <a:ext cx="2332139" cy="389477"/>
+          </a:xfrm>
+          <a:prstGeom prst="rect">
+            <a:avLst/>
+          </a:prstGeom>
+          <a:solidFill>
+            <a:schemeClr val="bg1"/>
+          </a:solidFill>
+          <a:ln>
+            <a:solidFill>
+              <a:schemeClr val="bg1"/>
+            </a:solidFill>
+          </a:ln>
+        </p:spPr>
+        <p:style>
+          <a:lnRef idx="2">
+            <a:schemeClr val="accent1">
+              <a:shade val="50000"/>
+            </a:schemeClr>
+          </a:lnRef>
+          <a:fillRef idx="1">
+            <a:schemeClr val="accent1"/>
+          </a:fillRef>
+          <a:effectRef idx="0">
+            <a:schemeClr val="accent1"/>
+          </a:effectRef>
+          <a:fontRef idx="minor">
+            <a:schemeClr val="lt1"/>
+          </a:fontRef>
+        </p:style>
+        <p:txBody>
+          <a:bodyPr rtlCol="0" anchor="ctr"/>
+          <a:lstStyle/>
+          <a:p>
+            <a:pPr algn="ctr"/>
+            <a:endParaRPr lang="en-GB"/>
+          </a:p>
+        </p:txBody>
+      </p:sp>
+      <p:sp>
+        <p:nvSpPr>
+          <p:cNvPr id="23" name="Rectangle 22">
+            <a:extLst>
+              <a:ext uri="{FF2B5EF4-FFF2-40B4-BE49-F238E27FC236}">
+                <a16:creationId xmlns:a16="http://schemas.microsoft.com/office/drawing/2014/main" id="{67C5C7D7-14F3-4224-89D0-F96A0BEABA36}"/>
+              </a:ext>
+            </a:extLst>
+          </p:cNvPr>
+          <p:cNvSpPr/>
+          <p:nvPr/>
+        </p:nvSpPr>
+        <p:spPr>
+          <a:xfrm>
+            <a:off x="421674" y="2975824"/>
+            <a:ext cx="1102488" cy="906351"/>
+          </a:xfrm>
+          <a:prstGeom prst="rect">
+            <a:avLst/>
+          </a:prstGeom>
+          <a:solidFill>
+            <a:schemeClr val="bg1"/>
+          </a:solidFill>
+          <a:ln>
+            <a:solidFill>
+              <a:schemeClr val="bg1"/>
+            </a:solidFill>
+          </a:ln>
+        </p:spPr>
+        <p:style>
+          <a:lnRef idx="2">
+            <a:schemeClr val="accent1">
+              <a:shade val="50000"/>
+            </a:schemeClr>
+          </a:lnRef>
+          <a:fillRef idx="1">
+            <a:schemeClr val="accent1"/>
+          </a:fillRef>
+          <a:effectRef idx="0">
+            <a:schemeClr val="accent1"/>
+          </a:effectRef>
+          <a:fontRef idx="minor">
+            <a:schemeClr val="lt1"/>
+          </a:fontRef>
+        </p:style>
+        <p:txBody>
+          <a:bodyPr rtlCol="0" anchor="ctr"/>
+          <a:lstStyle/>
+          <a:p>
+            <a:pPr algn="ctr"/>
+            <a:endParaRPr lang="en-GB"/>
+          </a:p>
+        </p:txBody>
+      </p:sp>
     </p:spTree>
     <p:extLst>
       <p:ext uri="{BB962C8B-B14F-4D97-AF65-F5344CB8AC3E}">
@@ -5688,6 +6809,378 @@
           </a:p>
         </p:txBody>
       </p:sp>
+      <p:pic>
+        <p:nvPicPr>
+          <p:cNvPr id="11" name="Picture 10">
+            <a:extLst>
+              <a:ext uri="{FF2B5EF4-FFF2-40B4-BE49-F238E27FC236}">
+                <a16:creationId xmlns:a16="http://schemas.microsoft.com/office/drawing/2014/main" id="{CE72F111-17FC-4C0D-9F27-D5278883CDED}"/>
+              </a:ext>
+            </a:extLst>
+          </p:cNvPr>
+          <p:cNvPicPr>
+            <a:picLocks noChangeAspect="1"/>
+          </p:cNvPicPr>
+          <p:nvPr/>
+        </p:nvPicPr>
+        <p:blipFill>
+          <a:blip r:embed="rId4"/>
+          <a:stretch>
+            <a:fillRect/>
+          </a:stretch>
+        </p:blipFill>
+        <p:spPr>
+          <a:xfrm>
+            <a:off x="9825606" y="1915050"/>
+            <a:ext cx="762000" cy="628650"/>
+          </a:xfrm>
+          <a:prstGeom prst="rect">
+            <a:avLst/>
+          </a:prstGeom>
+        </p:spPr>
+      </p:pic>
+      <p:pic>
+        <p:nvPicPr>
+          <p:cNvPr id="12" name="Picture 11">
+            <a:extLst>
+              <a:ext uri="{FF2B5EF4-FFF2-40B4-BE49-F238E27FC236}">
+                <a16:creationId xmlns:a16="http://schemas.microsoft.com/office/drawing/2014/main" id="{174281FD-39FB-4035-A51B-44D0A9EC6AA3}"/>
+              </a:ext>
+            </a:extLst>
+          </p:cNvPr>
+          <p:cNvPicPr>
+            <a:picLocks noChangeAspect="1"/>
+          </p:cNvPicPr>
+          <p:nvPr/>
+        </p:nvPicPr>
+        <p:blipFill>
+          <a:blip r:embed="rId5"/>
+          <a:stretch>
+            <a:fillRect/>
+          </a:stretch>
+        </p:blipFill>
+        <p:spPr>
+          <a:xfrm>
+            <a:off x="9768456" y="2675100"/>
+            <a:ext cx="876300" cy="704850"/>
+          </a:xfrm>
+          <a:prstGeom prst="rect">
+            <a:avLst/>
+          </a:prstGeom>
+        </p:spPr>
+      </p:pic>
+      <p:pic>
+        <p:nvPicPr>
+          <p:cNvPr id="13" name="Picture 12">
+            <a:extLst>
+              <a:ext uri="{FF2B5EF4-FFF2-40B4-BE49-F238E27FC236}">
+                <a16:creationId xmlns:a16="http://schemas.microsoft.com/office/drawing/2014/main" id="{7D51E477-D56D-4DC6-BE15-7B5F61B51C4C}"/>
+              </a:ext>
+            </a:extLst>
+          </p:cNvPr>
+          <p:cNvPicPr>
+            <a:picLocks noChangeAspect="1"/>
+          </p:cNvPicPr>
+          <p:nvPr/>
+        </p:nvPicPr>
+        <p:blipFill>
+          <a:blip r:embed="rId6"/>
+          <a:stretch>
+            <a:fillRect/>
+          </a:stretch>
+        </p:blipFill>
+        <p:spPr>
+          <a:xfrm>
+            <a:off x="9782743" y="3511350"/>
+            <a:ext cx="847725" cy="581025"/>
+          </a:xfrm>
+          <a:prstGeom prst="rect">
+            <a:avLst/>
+          </a:prstGeom>
+        </p:spPr>
+      </p:pic>
+      <p:pic>
+        <p:nvPicPr>
+          <p:cNvPr id="15" name="Picture 14">
+            <a:extLst>
+              <a:ext uri="{FF2B5EF4-FFF2-40B4-BE49-F238E27FC236}">
+                <a16:creationId xmlns:a16="http://schemas.microsoft.com/office/drawing/2014/main" id="{9C6AA64A-6BF8-4AA2-A888-69ECAFD5D22F}"/>
+              </a:ext>
+            </a:extLst>
+          </p:cNvPr>
+          <p:cNvPicPr>
+            <a:picLocks noChangeAspect="1"/>
+          </p:cNvPicPr>
+          <p:nvPr/>
+        </p:nvPicPr>
+        <p:blipFill>
+          <a:blip r:embed="rId7"/>
+          <a:stretch>
+            <a:fillRect/>
+          </a:stretch>
+        </p:blipFill>
+        <p:spPr>
+          <a:xfrm>
+            <a:off x="9892281" y="4299459"/>
+            <a:ext cx="695325" cy="619125"/>
+          </a:xfrm>
+          <a:prstGeom prst="rect">
+            <a:avLst/>
+          </a:prstGeom>
+        </p:spPr>
+      </p:pic>
+      <p:sp>
+        <p:nvSpPr>
+          <p:cNvPr id="16" name="TextBox 15">
+            <a:extLst>
+              <a:ext uri="{FF2B5EF4-FFF2-40B4-BE49-F238E27FC236}">
+                <a16:creationId xmlns:a16="http://schemas.microsoft.com/office/drawing/2014/main" id="{898FA20A-E1F6-4038-93A7-B6C4FDDD1C45}"/>
+              </a:ext>
+            </a:extLst>
+          </p:cNvPr>
+          <p:cNvSpPr txBox="1"/>
+          <p:nvPr/>
+        </p:nvSpPr>
+        <p:spPr>
+          <a:xfrm>
+            <a:off x="8173616" y="2039761"/>
+            <a:ext cx="1504061" cy="369332"/>
+          </a:xfrm>
+          <a:prstGeom prst="rect">
+            <a:avLst/>
+          </a:prstGeom>
+          <a:noFill/>
+        </p:spPr>
+        <p:txBody>
+          <a:bodyPr wrap="square" rtlCol="0">
+            <a:spAutoFit/>
+          </a:bodyPr>
+          <a:lstStyle/>
+          <a:p>
+            <a:r>
+              <a:rPr lang="en-US" b="1" dirty="0"/>
+              <a:t>round, yellow</a:t>
+            </a:r>
+            <a:endParaRPr lang="en-GB" b="1" dirty="0"/>
+          </a:p>
+        </p:txBody>
+      </p:sp>
+      <p:sp>
+        <p:nvSpPr>
+          <p:cNvPr id="18" name="TextBox 17">
+            <a:extLst>
+              <a:ext uri="{FF2B5EF4-FFF2-40B4-BE49-F238E27FC236}">
+                <a16:creationId xmlns:a16="http://schemas.microsoft.com/office/drawing/2014/main" id="{616D3E42-1605-4E70-A741-E18E8B04A7A0}"/>
+              </a:ext>
+            </a:extLst>
+          </p:cNvPr>
+          <p:cNvSpPr txBox="1"/>
+          <p:nvPr/>
+        </p:nvSpPr>
+        <p:spPr>
+          <a:xfrm>
+            <a:off x="8173616" y="2865060"/>
+            <a:ext cx="1504061" cy="369332"/>
+          </a:xfrm>
+          <a:prstGeom prst="rect">
+            <a:avLst/>
+          </a:prstGeom>
+          <a:noFill/>
+        </p:spPr>
+        <p:txBody>
+          <a:bodyPr wrap="square" rtlCol="0">
+            <a:spAutoFit/>
+          </a:bodyPr>
+          <a:lstStyle/>
+          <a:p>
+            <a:r>
+              <a:rPr lang="en-US" b="1" dirty="0"/>
+              <a:t>round, green</a:t>
+            </a:r>
+            <a:endParaRPr lang="en-GB" b="1" dirty="0"/>
+          </a:p>
+        </p:txBody>
+      </p:sp>
+      <p:sp>
+        <p:nvSpPr>
+          <p:cNvPr id="20" name="TextBox 19">
+            <a:extLst>
+              <a:ext uri="{FF2B5EF4-FFF2-40B4-BE49-F238E27FC236}">
+                <a16:creationId xmlns:a16="http://schemas.microsoft.com/office/drawing/2014/main" id="{0900730A-D129-4B3C-823F-5C8E5D4B83A9}"/>
+              </a:ext>
+            </a:extLst>
+          </p:cNvPr>
+          <p:cNvSpPr txBox="1"/>
+          <p:nvPr/>
+        </p:nvSpPr>
+        <p:spPr>
+          <a:xfrm>
+            <a:off x="8173616" y="3668011"/>
+            <a:ext cx="1819470" cy="369332"/>
+          </a:xfrm>
+          <a:prstGeom prst="rect">
+            <a:avLst/>
+          </a:prstGeom>
+          <a:noFill/>
+        </p:spPr>
+        <p:txBody>
+          <a:bodyPr wrap="square" rtlCol="0">
+            <a:spAutoFit/>
+          </a:bodyPr>
+          <a:lstStyle/>
+          <a:p>
+            <a:r>
+              <a:rPr lang="en-US" b="1" dirty="0"/>
+              <a:t>wrinkled, yellow</a:t>
+            </a:r>
+            <a:endParaRPr lang="en-GB" b="1" dirty="0"/>
+          </a:p>
+        </p:txBody>
+      </p:sp>
+      <p:sp>
+        <p:nvSpPr>
+          <p:cNvPr id="21" name="TextBox 20">
+            <a:extLst>
+              <a:ext uri="{FF2B5EF4-FFF2-40B4-BE49-F238E27FC236}">
+                <a16:creationId xmlns:a16="http://schemas.microsoft.com/office/drawing/2014/main" id="{C6A96424-CF3E-4125-8331-1AC817D64D34}"/>
+              </a:ext>
+            </a:extLst>
+          </p:cNvPr>
+          <p:cNvSpPr txBox="1"/>
+          <p:nvPr/>
+        </p:nvSpPr>
+        <p:spPr>
+          <a:xfrm>
+            <a:off x="8173616" y="4505761"/>
+            <a:ext cx="1819470" cy="369332"/>
+          </a:xfrm>
+          <a:prstGeom prst="rect">
+            <a:avLst/>
+          </a:prstGeom>
+          <a:noFill/>
+        </p:spPr>
+        <p:txBody>
+          <a:bodyPr wrap="square" rtlCol="0">
+            <a:spAutoFit/>
+          </a:bodyPr>
+          <a:lstStyle/>
+          <a:p>
+            <a:r>
+              <a:rPr lang="en-US" b="1" dirty="0"/>
+              <a:t>wrinkled, green</a:t>
+            </a:r>
+            <a:endParaRPr lang="en-GB" b="1" dirty="0"/>
+          </a:p>
+        </p:txBody>
+      </p:sp>
+      <p:sp>
+        <p:nvSpPr>
+          <p:cNvPr id="22" name="Rectangle 21">
+            <a:extLst>
+              <a:ext uri="{FF2B5EF4-FFF2-40B4-BE49-F238E27FC236}">
+                <a16:creationId xmlns:a16="http://schemas.microsoft.com/office/drawing/2014/main" id="{440AB0CB-ECA2-4011-85A0-494A6181876E}"/>
+              </a:ext>
+            </a:extLst>
+          </p:cNvPr>
+          <p:cNvSpPr/>
+          <p:nvPr/>
+        </p:nvSpPr>
+        <p:spPr>
+          <a:xfrm>
+            <a:off x="1812022" y="759934"/>
+            <a:ext cx="2332139" cy="389477"/>
+          </a:xfrm>
+          <a:prstGeom prst="rect">
+            <a:avLst/>
+          </a:prstGeom>
+          <a:solidFill>
+            <a:schemeClr val="bg1"/>
+          </a:solidFill>
+          <a:ln>
+            <a:solidFill>
+              <a:schemeClr val="bg1"/>
+            </a:solidFill>
+          </a:ln>
+        </p:spPr>
+        <p:style>
+          <a:lnRef idx="2">
+            <a:schemeClr val="accent1">
+              <a:shade val="50000"/>
+            </a:schemeClr>
+          </a:lnRef>
+          <a:fillRef idx="1">
+            <a:schemeClr val="accent1"/>
+          </a:fillRef>
+          <a:effectRef idx="0">
+            <a:schemeClr val="accent1"/>
+          </a:effectRef>
+          <a:fontRef idx="minor">
+            <a:schemeClr val="lt1"/>
+          </a:fontRef>
+        </p:style>
+        <p:txBody>
+          <a:bodyPr rtlCol="0" anchor="ctr"/>
+          <a:lstStyle/>
+          <a:p>
+            <a:pPr algn="ctr"/>
+            <a:endParaRPr lang="en-GB"/>
+          </a:p>
+        </p:txBody>
+      </p:sp>
+      <p:sp>
+        <p:nvSpPr>
+          <p:cNvPr id="23" name="Rectangle 22">
+            <a:extLst>
+              <a:ext uri="{FF2B5EF4-FFF2-40B4-BE49-F238E27FC236}">
+                <a16:creationId xmlns:a16="http://schemas.microsoft.com/office/drawing/2014/main" id="{8178E9F5-6DF2-45D8-A4EA-598AE3BE146B}"/>
+              </a:ext>
+            </a:extLst>
+          </p:cNvPr>
+          <p:cNvSpPr/>
+          <p:nvPr/>
+        </p:nvSpPr>
+        <p:spPr>
+          <a:xfrm>
+            <a:off x="421674" y="2975824"/>
+            <a:ext cx="1102488" cy="906351"/>
+          </a:xfrm>
+          <a:prstGeom prst="rect">
+            <a:avLst/>
+          </a:prstGeom>
+          <a:solidFill>
+            <a:schemeClr val="bg1"/>
+          </a:solidFill>
+          <a:ln>
+            <a:solidFill>
+              <a:schemeClr val="bg1"/>
+            </a:solidFill>
+          </a:ln>
+        </p:spPr>
+        <p:style>
+          <a:lnRef idx="2">
+            <a:schemeClr val="accent1">
+              <a:shade val="50000"/>
+            </a:schemeClr>
+          </a:lnRef>
+          <a:fillRef idx="1">
+            <a:schemeClr val="accent1"/>
+          </a:fillRef>
+          <a:effectRef idx="0">
+            <a:schemeClr val="accent1"/>
+          </a:effectRef>
+          <a:fontRef idx="minor">
+            <a:schemeClr val="lt1"/>
+          </a:fontRef>
+        </p:style>
+        <p:txBody>
+          <a:bodyPr rtlCol="0" anchor="ctr"/>
+          <a:lstStyle/>
+          <a:p>
+            <a:pPr algn="ctr"/>
+            <a:endParaRPr lang="en-GB"/>
+          </a:p>
+        </p:txBody>
+      </p:sp>
     </p:spTree>
     <p:extLst>
       <p:ext uri="{BB962C8B-B14F-4D97-AF65-F5344CB8AC3E}">
@@ -6051,6 +7544,378 @@
           </a:solidFill>
           <a:ln w="38100">
             <a:noFill/>
+          </a:ln>
+        </p:spPr>
+        <p:style>
+          <a:lnRef idx="2">
+            <a:schemeClr val="accent1">
+              <a:shade val="50000"/>
+            </a:schemeClr>
+          </a:lnRef>
+          <a:fillRef idx="1">
+            <a:schemeClr val="accent1"/>
+          </a:fillRef>
+          <a:effectRef idx="0">
+            <a:schemeClr val="accent1"/>
+          </a:effectRef>
+          <a:fontRef idx="minor">
+            <a:schemeClr val="lt1"/>
+          </a:fontRef>
+        </p:style>
+        <p:txBody>
+          <a:bodyPr rtlCol="0" anchor="ctr"/>
+          <a:lstStyle/>
+          <a:p>
+            <a:pPr algn="ctr"/>
+            <a:endParaRPr lang="en-GB"/>
+          </a:p>
+        </p:txBody>
+      </p:sp>
+      <p:pic>
+        <p:nvPicPr>
+          <p:cNvPr id="11" name="Picture 10">
+            <a:extLst>
+              <a:ext uri="{FF2B5EF4-FFF2-40B4-BE49-F238E27FC236}">
+                <a16:creationId xmlns:a16="http://schemas.microsoft.com/office/drawing/2014/main" id="{1C40727A-386D-4FF4-8181-47F42A484FED}"/>
+              </a:ext>
+            </a:extLst>
+          </p:cNvPr>
+          <p:cNvPicPr>
+            <a:picLocks noChangeAspect="1"/>
+          </p:cNvPicPr>
+          <p:nvPr/>
+        </p:nvPicPr>
+        <p:blipFill>
+          <a:blip r:embed="rId4"/>
+          <a:stretch>
+            <a:fillRect/>
+          </a:stretch>
+        </p:blipFill>
+        <p:spPr>
+          <a:xfrm>
+            <a:off x="9825606" y="1915050"/>
+            <a:ext cx="762000" cy="628650"/>
+          </a:xfrm>
+          <a:prstGeom prst="rect">
+            <a:avLst/>
+          </a:prstGeom>
+        </p:spPr>
+      </p:pic>
+      <p:pic>
+        <p:nvPicPr>
+          <p:cNvPr id="12" name="Picture 11">
+            <a:extLst>
+              <a:ext uri="{FF2B5EF4-FFF2-40B4-BE49-F238E27FC236}">
+                <a16:creationId xmlns:a16="http://schemas.microsoft.com/office/drawing/2014/main" id="{0B144CA1-BA0F-45DE-A8B9-9972E9498B52}"/>
+              </a:ext>
+            </a:extLst>
+          </p:cNvPr>
+          <p:cNvPicPr>
+            <a:picLocks noChangeAspect="1"/>
+          </p:cNvPicPr>
+          <p:nvPr/>
+        </p:nvPicPr>
+        <p:blipFill>
+          <a:blip r:embed="rId5"/>
+          <a:stretch>
+            <a:fillRect/>
+          </a:stretch>
+        </p:blipFill>
+        <p:spPr>
+          <a:xfrm>
+            <a:off x="9768456" y="2675100"/>
+            <a:ext cx="876300" cy="704850"/>
+          </a:xfrm>
+          <a:prstGeom prst="rect">
+            <a:avLst/>
+          </a:prstGeom>
+        </p:spPr>
+      </p:pic>
+      <p:pic>
+        <p:nvPicPr>
+          <p:cNvPr id="13" name="Picture 12">
+            <a:extLst>
+              <a:ext uri="{FF2B5EF4-FFF2-40B4-BE49-F238E27FC236}">
+                <a16:creationId xmlns:a16="http://schemas.microsoft.com/office/drawing/2014/main" id="{BA1E01AD-7EF1-4F14-8912-0804AFEE64BB}"/>
+              </a:ext>
+            </a:extLst>
+          </p:cNvPr>
+          <p:cNvPicPr>
+            <a:picLocks noChangeAspect="1"/>
+          </p:cNvPicPr>
+          <p:nvPr/>
+        </p:nvPicPr>
+        <p:blipFill>
+          <a:blip r:embed="rId6"/>
+          <a:stretch>
+            <a:fillRect/>
+          </a:stretch>
+        </p:blipFill>
+        <p:spPr>
+          <a:xfrm>
+            <a:off x="9782743" y="3511350"/>
+            <a:ext cx="847725" cy="581025"/>
+          </a:xfrm>
+          <a:prstGeom prst="rect">
+            <a:avLst/>
+          </a:prstGeom>
+        </p:spPr>
+      </p:pic>
+      <p:pic>
+        <p:nvPicPr>
+          <p:cNvPr id="15" name="Picture 14">
+            <a:extLst>
+              <a:ext uri="{FF2B5EF4-FFF2-40B4-BE49-F238E27FC236}">
+                <a16:creationId xmlns:a16="http://schemas.microsoft.com/office/drawing/2014/main" id="{1B402ACA-7A40-49D0-87A4-4694AC786700}"/>
+              </a:ext>
+            </a:extLst>
+          </p:cNvPr>
+          <p:cNvPicPr>
+            <a:picLocks noChangeAspect="1"/>
+          </p:cNvPicPr>
+          <p:nvPr/>
+        </p:nvPicPr>
+        <p:blipFill>
+          <a:blip r:embed="rId7"/>
+          <a:stretch>
+            <a:fillRect/>
+          </a:stretch>
+        </p:blipFill>
+        <p:spPr>
+          <a:xfrm>
+            <a:off x="9892281" y="4299459"/>
+            <a:ext cx="695325" cy="619125"/>
+          </a:xfrm>
+          <a:prstGeom prst="rect">
+            <a:avLst/>
+          </a:prstGeom>
+        </p:spPr>
+      </p:pic>
+      <p:sp>
+        <p:nvSpPr>
+          <p:cNvPr id="16" name="TextBox 15">
+            <a:extLst>
+              <a:ext uri="{FF2B5EF4-FFF2-40B4-BE49-F238E27FC236}">
+                <a16:creationId xmlns:a16="http://schemas.microsoft.com/office/drawing/2014/main" id="{9302BD30-6D55-49CC-9062-72341C1E4D07}"/>
+              </a:ext>
+            </a:extLst>
+          </p:cNvPr>
+          <p:cNvSpPr txBox="1"/>
+          <p:nvPr/>
+        </p:nvSpPr>
+        <p:spPr>
+          <a:xfrm>
+            <a:off x="8173616" y="2039761"/>
+            <a:ext cx="1504061" cy="369332"/>
+          </a:xfrm>
+          <a:prstGeom prst="rect">
+            <a:avLst/>
+          </a:prstGeom>
+          <a:noFill/>
+        </p:spPr>
+        <p:txBody>
+          <a:bodyPr wrap="square" rtlCol="0">
+            <a:spAutoFit/>
+          </a:bodyPr>
+          <a:lstStyle/>
+          <a:p>
+            <a:r>
+              <a:rPr lang="en-US" b="1" dirty="0"/>
+              <a:t>round, yellow</a:t>
+            </a:r>
+            <a:endParaRPr lang="en-GB" b="1" dirty="0"/>
+          </a:p>
+        </p:txBody>
+      </p:sp>
+      <p:sp>
+        <p:nvSpPr>
+          <p:cNvPr id="18" name="TextBox 17">
+            <a:extLst>
+              <a:ext uri="{FF2B5EF4-FFF2-40B4-BE49-F238E27FC236}">
+                <a16:creationId xmlns:a16="http://schemas.microsoft.com/office/drawing/2014/main" id="{0AFCEFD6-0A5A-47FB-BD32-6A1414AD5969}"/>
+              </a:ext>
+            </a:extLst>
+          </p:cNvPr>
+          <p:cNvSpPr txBox="1"/>
+          <p:nvPr/>
+        </p:nvSpPr>
+        <p:spPr>
+          <a:xfrm>
+            <a:off x="8173616" y="2865060"/>
+            <a:ext cx="1504061" cy="369332"/>
+          </a:xfrm>
+          <a:prstGeom prst="rect">
+            <a:avLst/>
+          </a:prstGeom>
+          <a:noFill/>
+        </p:spPr>
+        <p:txBody>
+          <a:bodyPr wrap="square" rtlCol="0">
+            <a:spAutoFit/>
+          </a:bodyPr>
+          <a:lstStyle/>
+          <a:p>
+            <a:r>
+              <a:rPr lang="en-US" b="1" dirty="0"/>
+              <a:t>round, green</a:t>
+            </a:r>
+            <a:endParaRPr lang="en-GB" b="1" dirty="0"/>
+          </a:p>
+        </p:txBody>
+      </p:sp>
+      <p:sp>
+        <p:nvSpPr>
+          <p:cNvPr id="20" name="TextBox 19">
+            <a:extLst>
+              <a:ext uri="{FF2B5EF4-FFF2-40B4-BE49-F238E27FC236}">
+                <a16:creationId xmlns:a16="http://schemas.microsoft.com/office/drawing/2014/main" id="{40BAFF50-27DC-4D7F-86A5-4F092A399642}"/>
+              </a:ext>
+            </a:extLst>
+          </p:cNvPr>
+          <p:cNvSpPr txBox="1"/>
+          <p:nvPr/>
+        </p:nvSpPr>
+        <p:spPr>
+          <a:xfrm>
+            <a:off x="8173616" y="3668011"/>
+            <a:ext cx="1819470" cy="369332"/>
+          </a:xfrm>
+          <a:prstGeom prst="rect">
+            <a:avLst/>
+          </a:prstGeom>
+          <a:noFill/>
+        </p:spPr>
+        <p:txBody>
+          <a:bodyPr wrap="square" rtlCol="0">
+            <a:spAutoFit/>
+          </a:bodyPr>
+          <a:lstStyle/>
+          <a:p>
+            <a:r>
+              <a:rPr lang="en-US" b="1" dirty="0"/>
+              <a:t>wrinkled, yellow</a:t>
+            </a:r>
+            <a:endParaRPr lang="en-GB" b="1" dirty="0"/>
+          </a:p>
+        </p:txBody>
+      </p:sp>
+      <p:sp>
+        <p:nvSpPr>
+          <p:cNvPr id="21" name="TextBox 20">
+            <a:extLst>
+              <a:ext uri="{FF2B5EF4-FFF2-40B4-BE49-F238E27FC236}">
+                <a16:creationId xmlns:a16="http://schemas.microsoft.com/office/drawing/2014/main" id="{FADDD629-93D0-4A08-9F8C-691773CD66D4}"/>
+              </a:ext>
+            </a:extLst>
+          </p:cNvPr>
+          <p:cNvSpPr txBox="1"/>
+          <p:nvPr/>
+        </p:nvSpPr>
+        <p:spPr>
+          <a:xfrm>
+            <a:off x="8173616" y="4505761"/>
+            <a:ext cx="1819470" cy="369332"/>
+          </a:xfrm>
+          <a:prstGeom prst="rect">
+            <a:avLst/>
+          </a:prstGeom>
+          <a:noFill/>
+        </p:spPr>
+        <p:txBody>
+          <a:bodyPr wrap="square" rtlCol="0">
+            <a:spAutoFit/>
+          </a:bodyPr>
+          <a:lstStyle/>
+          <a:p>
+            <a:r>
+              <a:rPr lang="en-US" b="1" dirty="0"/>
+              <a:t>wrinkled, green</a:t>
+            </a:r>
+            <a:endParaRPr lang="en-GB" b="1" dirty="0"/>
+          </a:p>
+        </p:txBody>
+      </p:sp>
+      <p:sp>
+        <p:nvSpPr>
+          <p:cNvPr id="22" name="Rectangle 21">
+            <a:extLst>
+              <a:ext uri="{FF2B5EF4-FFF2-40B4-BE49-F238E27FC236}">
+                <a16:creationId xmlns:a16="http://schemas.microsoft.com/office/drawing/2014/main" id="{06B16155-B6A0-45C9-9D87-F9EFE3D4D9F9}"/>
+              </a:ext>
+            </a:extLst>
+          </p:cNvPr>
+          <p:cNvSpPr/>
+          <p:nvPr/>
+        </p:nvSpPr>
+        <p:spPr>
+          <a:xfrm>
+            <a:off x="1812022" y="759934"/>
+            <a:ext cx="2332139" cy="389477"/>
+          </a:xfrm>
+          <a:prstGeom prst="rect">
+            <a:avLst/>
+          </a:prstGeom>
+          <a:solidFill>
+            <a:schemeClr val="bg1"/>
+          </a:solidFill>
+          <a:ln>
+            <a:solidFill>
+              <a:schemeClr val="bg1"/>
+            </a:solidFill>
+          </a:ln>
+        </p:spPr>
+        <p:style>
+          <a:lnRef idx="2">
+            <a:schemeClr val="accent1">
+              <a:shade val="50000"/>
+            </a:schemeClr>
+          </a:lnRef>
+          <a:fillRef idx="1">
+            <a:schemeClr val="accent1"/>
+          </a:fillRef>
+          <a:effectRef idx="0">
+            <a:schemeClr val="accent1"/>
+          </a:effectRef>
+          <a:fontRef idx="minor">
+            <a:schemeClr val="lt1"/>
+          </a:fontRef>
+        </p:style>
+        <p:txBody>
+          <a:bodyPr rtlCol="0" anchor="ctr"/>
+          <a:lstStyle/>
+          <a:p>
+            <a:pPr algn="ctr"/>
+            <a:endParaRPr lang="en-GB"/>
+          </a:p>
+        </p:txBody>
+      </p:sp>
+      <p:sp>
+        <p:nvSpPr>
+          <p:cNvPr id="23" name="Rectangle 22">
+            <a:extLst>
+              <a:ext uri="{FF2B5EF4-FFF2-40B4-BE49-F238E27FC236}">
+                <a16:creationId xmlns:a16="http://schemas.microsoft.com/office/drawing/2014/main" id="{565F5E9C-E57D-4190-89DD-2B496EE24009}"/>
+              </a:ext>
+            </a:extLst>
+          </p:cNvPr>
+          <p:cNvSpPr/>
+          <p:nvPr/>
+        </p:nvSpPr>
+        <p:spPr>
+          <a:xfrm>
+            <a:off x="421674" y="2975824"/>
+            <a:ext cx="1102488" cy="906351"/>
+          </a:xfrm>
+          <a:prstGeom prst="rect">
+            <a:avLst/>
+          </a:prstGeom>
+          <a:solidFill>
+            <a:schemeClr val="bg1"/>
+          </a:solidFill>
+          <a:ln>
+            <a:solidFill>
+              <a:schemeClr val="bg1"/>
+            </a:solidFill>
           </a:ln>
         </p:spPr>
         <p:style>

--- a/Presentation1.pptx
+++ b/Presentation1.pptx
@@ -16,6 +16,7 @@
     <p:sldId id="262" r:id="rId10"/>
     <p:sldId id="265" r:id="rId11"/>
     <p:sldId id="266" r:id="rId12"/>
+    <p:sldId id="268" r:id="rId13"/>
   </p:sldIdLst>
   <p:sldSz cx="12192000" cy="6858000"/>
   <p:notesSz cx="6858000" cy="9144000"/>
@@ -3903,48 +3904,6 @@
           <a:chExt cx="0" cy="0"/>
         </a:xfrm>
       </p:grpSpPr>
-      <p:sp>
-        <p:nvSpPr>
-          <p:cNvPr id="4" name="TextBox 3">
-            <a:extLst>
-              <a:ext uri="{FF2B5EF4-FFF2-40B4-BE49-F238E27FC236}">
-                <a16:creationId xmlns:a16="http://schemas.microsoft.com/office/drawing/2014/main" id="{5778F1EE-ECD9-45C3-B4B7-97067CD99C8D}"/>
-              </a:ext>
-            </a:extLst>
-          </p:cNvPr>
-          <p:cNvSpPr txBox="1"/>
-          <p:nvPr/>
-        </p:nvSpPr>
-        <p:spPr>
-          <a:xfrm>
-            <a:off x="1576873" y="2323322"/>
-            <a:ext cx="1390261" cy="646331"/>
-          </a:xfrm>
-          <a:prstGeom prst="rect">
-            <a:avLst/>
-          </a:prstGeom>
-          <a:noFill/>
-        </p:spPr>
-        <p:txBody>
-          <a:bodyPr wrap="square" rtlCol="0">
-            <a:spAutoFit/>
-          </a:bodyPr>
-          <a:lstStyle/>
-          <a:p>
-            <a:r>
-              <a:rPr lang="en-US" b="1" dirty="0"/>
-              <a:t>H substance</a:t>
-            </a:r>
-          </a:p>
-          <a:p>
-            <a:r>
-              <a:rPr lang="en-US" b="1" dirty="0"/>
-              <a:t>precursor</a:t>
-            </a:r>
-            <a:endParaRPr lang="en-GB" b="1" dirty="0"/>
-          </a:p>
-        </p:txBody>
-      </p:sp>
       <p:cxnSp>
         <p:nvCxnSpPr>
           <p:cNvPr id="6" name="Straight Arrow Connector 5">
@@ -3956,7 +3915,6 @@
           </p:cNvPr>
           <p:cNvCxnSpPr>
             <a:cxnSpLocks/>
-            <a:stCxn id="4" idx="3"/>
             <a:endCxn id="16" idx="1"/>
           </p:cNvCxnSpPr>
           <p:nvPr/>
@@ -4021,7 +3979,7 @@
           <a:p>
             <a:r>
               <a:rPr lang="en-US" b="1" dirty="0"/>
-              <a:t>H substance</a:t>
+              <a:t>H antigen</a:t>
             </a:r>
           </a:p>
         </p:txBody>
@@ -4953,6 +4911,1293 @@
     <p:extLst>
       <p:ext uri="{BB962C8B-B14F-4D97-AF65-F5344CB8AC3E}">
         <p14:creationId xmlns:p14="http://schemas.microsoft.com/office/powerpoint/2010/main" val="3390277071"/>
+      </p:ext>
+    </p:extLst>
+  </p:cSld>
+  <p:clrMapOvr>
+    <a:masterClrMapping/>
+  </p:clrMapOvr>
+</p:sld>
+</file>
+
+<file path=ppt/slides/slide12.xml><?xml version="1.0" encoding="utf-8"?>
+<p:sld xmlns:a="http://schemas.openxmlformats.org/drawingml/2006/main" xmlns:r="http://schemas.openxmlformats.org/officeDocument/2006/relationships" xmlns:p="http://schemas.openxmlformats.org/presentationml/2006/main">
+  <p:cSld>
+    <p:spTree>
+      <p:nvGrpSpPr>
+        <p:cNvPr id="1" name=""/>
+        <p:cNvGrpSpPr/>
+        <p:nvPr/>
+      </p:nvGrpSpPr>
+      <p:grpSpPr>
+        <a:xfrm>
+          <a:off x="0" y="0"/>
+          <a:ext cx="0" cy="0"/>
+          <a:chOff x="0" y="0"/>
+          <a:chExt cx="0" cy="0"/>
+        </a:xfrm>
+      </p:grpSpPr>
+      <p:grpSp>
+        <p:nvGrpSpPr>
+          <p:cNvPr id="35" name="Group 34">
+            <a:extLst>
+              <a:ext uri="{FF2B5EF4-FFF2-40B4-BE49-F238E27FC236}">
+                <a16:creationId xmlns:a16="http://schemas.microsoft.com/office/drawing/2014/main" id="{E94DC29C-10BB-44B0-BF02-82F9B5B5BB1A}"/>
+              </a:ext>
+            </a:extLst>
+          </p:cNvPr>
+          <p:cNvGrpSpPr/>
+          <p:nvPr/>
+        </p:nvGrpSpPr>
+        <p:grpSpPr>
+          <a:xfrm>
+            <a:off x="2087915" y="1134342"/>
+            <a:ext cx="6489534" cy="5080925"/>
+            <a:chOff x="2361986" y="770008"/>
+            <a:chExt cx="6489534" cy="5080925"/>
+          </a:xfrm>
+        </p:grpSpPr>
+        <p:pic>
+          <p:nvPicPr>
+            <p:cNvPr id="4" name="Picture 3">
+              <a:extLst>
+                <a:ext uri="{FF2B5EF4-FFF2-40B4-BE49-F238E27FC236}">
+                  <a16:creationId xmlns:a16="http://schemas.microsoft.com/office/drawing/2014/main" id="{83B2F425-E762-488D-B6B8-50642304541C}"/>
+                </a:ext>
+              </a:extLst>
+            </p:cNvPr>
+            <p:cNvPicPr>
+              <a:picLocks noChangeAspect="1"/>
+            </p:cNvPicPr>
+            <p:nvPr/>
+          </p:nvPicPr>
+          <p:blipFill>
+            <a:blip r:embed="rId2"/>
+            <a:stretch>
+              <a:fillRect/>
+            </a:stretch>
+          </p:blipFill>
+          <p:spPr>
+            <a:xfrm>
+              <a:off x="5707769" y="770008"/>
+              <a:ext cx="1131570" cy="1027565"/>
+            </a:xfrm>
+            <a:prstGeom prst="rect">
+              <a:avLst/>
+            </a:prstGeom>
+          </p:spPr>
+        </p:pic>
+        <p:pic>
+          <p:nvPicPr>
+            <p:cNvPr id="5" name="Picture 4">
+              <a:extLst>
+                <a:ext uri="{FF2B5EF4-FFF2-40B4-BE49-F238E27FC236}">
+                  <a16:creationId xmlns:a16="http://schemas.microsoft.com/office/drawing/2014/main" id="{66D0154B-6000-4530-A68B-FC7F228455B5}"/>
+                </a:ext>
+              </a:extLst>
+            </p:cNvPr>
+            <p:cNvPicPr>
+              <a:picLocks noChangeAspect="1"/>
+            </p:cNvPicPr>
+            <p:nvPr/>
+          </p:nvPicPr>
+          <p:blipFill>
+            <a:blip r:embed="rId3"/>
+            <a:stretch>
+              <a:fillRect/>
+            </a:stretch>
+          </p:blipFill>
+          <p:spPr>
+            <a:xfrm>
+              <a:off x="2523600" y="3045122"/>
+              <a:ext cx="1181848" cy="1026000"/>
+            </a:xfrm>
+            <a:prstGeom prst="rect">
+              <a:avLst/>
+            </a:prstGeom>
+          </p:spPr>
+        </p:pic>
+        <p:sp>
+          <p:nvSpPr>
+            <p:cNvPr id="6" name="TextBox 5">
+              <a:extLst>
+                <a:ext uri="{FF2B5EF4-FFF2-40B4-BE49-F238E27FC236}">
+                  <a16:creationId xmlns:a16="http://schemas.microsoft.com/office/drawing/2014/main" id="{7E685562-0DE3-4960-B5C7-CD4B8ADCB872}"/>
+                </a:ext>
+              </a:extLst>
+            </p:cNvPr>
+            <p:cNvSpPr txBox="1"/>
+            <p:nvPr/>
+          </p:nvSpPr>
+          <p:spPr>
+            <a:xfrm>
+              <a:off x="6984442" y="1170351"/>
+              <a:ext cx="1867078" cy="369332"/>
+            </a:xfrm>
+            <a:prstGeom prst="rect">
+              <a:avLst/>
+            </a:prstGeom>
+            <a:noFill/>
+          </p:spPr>
+          <p:txBody>
+            <a:bodyPr wrap="square" rtlCol="0">
+              <a:spAutoFit/>
+            </a:bodyPr>
+            <a:lstStyle/>
+            <a:p>
+              <a:r>
+                <a:rPr lang="en-US" i="1" dirty="0"/>
+                <a:t>I</a:t>
+              </a:r>
+              <a:r>
+                <a:rPr lang="en-US" i="1" baseline="30000" dirty="0"/>
+                <a:t>A</a:t>
+              </a:r>
+              <a:r>
+                <a:rPr lang="en-US" i="1" dirty="0"/>
+                <a:t>I</a:t>
+              </a:r>
+              <a:r>
+                <a:rPr lang="en-US" i="1" baseline="30000" dirty="0"/>
+                <a:t>A </a:t>
+              </a:r>
+              <a:r>
+                <a:rPr lang="en-US" i="1" dirty="0"/>
+                <a:t>fut1</a:t>
+              </a:r>
+              <a:r>
+                <a:rPr lang="en-US" i="1" baseline="30000" dirty="0"/>
+                <a:t>H</a:t>
+              </a:r>
+              <a:r>
+                <a:rPr lang="en-US" i="1" dirty="0"/>
+                <a:t> </a:t>
+              </a:r>
+              <a:r>
+                <a:rPr lang="en-US" i="1" dirty="0" err="1"/>
+                <a:t>fut1</a:t>
+              </a:r>
+              <a:r>
+                <a:rPr lang="en-US" i="1" baseline="30000" dirty="0" err="1"/>
+                <a:t>h</a:t>
+              </a:r>
+              <a:r>
+                <a:rPr lang="en-US" i="1" dirty="0"/>
+                <a:t> </a:t>
+              </a:r>
+              <a:endParaRPr lang="en-GB" i="1" baseline="30000" dirty="0"/>
+            </a:p>
+          </p:txBody>
+        </p:sp>
+        <p:sp>
+          <p:nvSpPr>
+            <p:cNvPr id="7" name="TextBox 6">
+              <a:extLst>
+                <a:ext uri="{FF2B5EF4-FFF2-40B4-BE49-F238E27FC236}">
+                  <a16:creationId xmlns:a16="http://schemas.microsoft.com/office/drawing/2014/main" id="{A69F0C63-0EB0-4361-9D22-5E23BB6BE410}"/>
+                </a:ext>
+              </a:extLst>
+            </p:cNvPr>
+            <p:cNvSpPr txBox="1"/>
+            <p:nvPr/>
+          </p:nvSpPr>
+          <p:spPr>
+            <a:xfrm>
+              <a:off x="2361986" y="4164051"/>
+              <a:ext cx="1468840" cy="646331"/>
+            </a:xfrm>
+            <a:prstGeom prst="rect">
+              <a:avLst/>
+            </a:prstGeom>
+            <a:noFill/>
+          </p:spPr>
+          <p:txBody>
+            <a:bodyPr wrap="square" rtlCol="0">
+              <a:spAutoFit/>
+            </a:bodyPr>
+            <a:lstStyle/>
+            <a:p>
+              <a:pPr algn="ctr"/>
+              <a:r>
+                <a:rPr lang="en-US" i="1" dirty="0"/>
+                <a:t>I</a:t>
+              </a:r>
+              <a:r>
+                <a:rPr lang="en-US" i="1" baseline="30000" dirty="0"/>
+                <a:t>B</a:t>
+              </a:r>
+              <a:r>
+                <a:rPr lang="en-US" i="1" dirty="0"/>
+                <a:t>I</a:t>
+              </a:r>
+              <a:r>
+                <a:rPr lang="en-US" i="1" baseline="30000" dirty="0"/>
+                <a:t>B </a:t>
+              </a:r>
+            </a:p>
+            <a:p>
+              <a:pPr algn="ctr"/>
+              <a:r>
+                <a:rPr lang="en-US" i="1" dirty="0"/>
+                <a:t>fut1</a:t>
+              </a:r>
+              <a:r>
+                <a:rPr lang="en-US" i="1" baseline="30000" dirty="0"/>
+                <a:t>H</a:t>
+              </a:r>
+              <a:r>
+                <a:rPr lang="en-US" i="1" dirty="0"/>
+                <a:t> </a:t>
+              </a:r>
+              <a:r>
+                <a:rPr lang="en-US" i="1" dirty="0" err="1"/>
+                <a:t>fut1</a:t>
+              </a:r>
+              <a:r>
+                <a:rPr lang="en-US" i="1" baseline="30000" dirty="0" err="1"/>
+                <a:t>h</a:t>
+              </a:r>
+              <a:endParaRPr lang="en-GB" i="1" baseline="30000" dirty="0"/>
+            </a:p>
+          </p:txBody>
+        </p:sp>
+        <p:grpSp>
+          <p:nvGrpSpPr>
+            <p:cNvPr id="8" name="Group 7">
+              <a:extLst>
+                <a:ext uri="{FF2B5EF4-FFF2-40B4-BE49-F238E27FC236}">
+                  <a16:creationId xmlns:a16="http://schemas.microsoft.com/office/drawing/2014/main" id="{44BACF76-2C30-48E8-A50F-221ECE2F0160}"/>
+                </a:ext>
+              </a:extLst>
+            </p:cNvPr>
+            <p:cNvGrpSpPr/>
+            <p:nvPr/>
+          </p:nvGrpSpPr>
+          <p:grpSpPr>
+            <a:xfrm>
+              <a:off x="3881538" y="1936322"/>
+              <a:ext cx="4202832" cy="3914611"/>
+              <a:chOff x="3881538" y="1936322"/>
+              <a:chExt cx="4202832" cy="3914611"/>
+            </a:xfrm>
+          </p:grpSpPr>
+          <p:sp>
+            <p:nvSpPr>
+              <p:cNvPr id="9" name="Rectangle 8">
+                <a:extLst>
+                  <a:ext uri="{FF2B5EF4-FFF2-40B4-BE49-F238E27FC236}">
+                    <a16:creationId xmlns:a16="http://schemas.microsoft.com/office/drawing/2014/main" id="{85DC5BEA-7690-4059-B01E-6AF2CC5E0E0C}"/>
+                  </a:ext>
+                </a:extLst>
+              </p:cNvPr>
+              <p:cNvSpPr/>
+              <p:nvPr/>
+            </p:nvSpPr>
+            <p:spPr>
+              <a:xfrm>
+                <a:off x="4455795" y="2250933"/>
+                <a:ext cx="3600000" cy="3600000"/>
+              </a:xfrm>
+              <a:prstGeom prst="rect">
+                <a:avLst/>
+              </a:prstGeom>
+              <a:noFill/>
+              <a:ln w="44450">
+                <a:solidFill>
+                  <a:schemeClr val="tx1"/>
+                </a:solidFill>
+              </a:ln>
+            </p:spPr>
+            <p:style>
+              <a:lnRef idx="2">
+                <a:schemeClr val="accent1">
+                  <a:shade val="50000"/>
+                </a:schemeClr>
+              </a:lnRef>
+              <a:fillRef idx="1">
+                <a:schemeClr val="accent1"/>
+              </a:fillRef>
+              <a:effectRef idx="0">
+                <a:schemeClr val="accent1"/>
+              </a:effectRef>
+              <a:fontRef idx="minor">
+                <a:schemeClr val="lt1"/>
+              </a:fontRef>
+            </p:style>
+            <p:txBody>
+              <a:bodyPr rtlCol="0" anchor="ctr"/>
+              <a:lstStyle/>
+              <a:p>
+                <a:pPr algn="ctr"/>
+                <a:endParaRPr lang="en-GB" i="1"/>
+              </a:p>
+            </p:txBody>
+          </p:sp>
+          <p:cxnSp>
+            <p:nvCxnSpPr>
+              <p:cNvPr id="10" name="Straight Connector 9">
+                <a:extLst>
+                  <a:ext uri="{FF2B5EF4-FFF2-40B4-BE49-F238E27FC236}">
+                    <a16:creationId xmlns:a16="http://schemas.microsoft.com/office/drawing/2014/main" id="{3F45092D-125F-40AA-A82D-5339369C7DBA}"/>
+                  </a:ext>
+                </a:extLst>
+              </p:cNvPr>
+              <p:cNvCxnSpPr>
+                <a:cxnSpLocks/>
+              </p:cNvCxnSpPr>
+              <p:nvPr/>
+            </p:nvCxnSpPr>
+            <p:spPr>
+              <a:xfrm>
+                <a:off x="6316063" y="2250933"/>
+                <a:ext cx="0" cy="3600000"/>
+              </a:xfrm>
+              <a:prstGeom prst="line">
+                <a:avLst/>
+              </a:prstGeom>
+              <a:ln w="44450">
+                <a:solidFill>
+                  <a:schemeClr val="tx1"/>
+                </a:solidFill>
+              </a:ln>
+            </p:spPr>
+            <p:style>
+              <a:lnRef idx="1">
+                <a:schemeClr val="accent1"/>
+              </a:lnRef>
+              <a:fillRef idx="0">
+                <a:schemeClr val="accent1"/>
+              </a:fillRef>
+              <a:effectRef idx="0">
+                <a:schemeClr val="accent1"/>
+              </a:effectRef>
+              <a:fontRef idx="minor">
+                <a:schemeClr val="tx1"/>
+              </a:fontRef>
+            </p:style>
+          </p:cxnSp>
+          <p:cxnSp>
+            <p:nvCxnSpPr>
+              <p:cNvPr id="11" name="Straight Connector 10">
+                <a:extLst>
+                  <a:ext uri="{FF2B5EF4-FFF2-40B4-BE49-F238E27FC236}">
+                    <a16:creationId xmlns:a16="http://schemas.microsoft.com/office/drawing/2014/main" id="{983EDE9C-355E-4F5B-A5CB-86019D962CBD}"/>
+                  </a:ext>
+                </a:extLst>
+              </p:cNvPr>
+              <p:cNvCxnSpPr>
+                <a:cxnSpLocks/>
+              </p:cNvCxnSpPr>
+              <p:nvPr/>
+            </p:nvCxnSpPr>
+            <p:spPr>
+              <a:xfrm flipH="1">
+                <a:off x="4455795" y="4072567"/>
+                <a:ext cx="3628575" cy="0"/>
+              </a:xfrm>
+              <a:prstGeom prst="line">
+                <a:avLst/>
+              </a:prstGeom>
+              <a:ln w="44450">
+                <a:solidFill>
+                  <a:schemeClr val="tx1"/>
+                </a:solidFill>
+              </a:ln>
+            </p:spPr>
+            <p:style>
+              <a:lnRef idx="1">
+                <a:schemeClr val="accent1"/>
+              </a:lnRef>
+              <a:fillRef idx="0">
+                <a:schemeClr val="accent1"/>
+              </a:fillRef>
+              <a:effectRef idx="0">
+                <a:schemeClr val="accent1"/>
+              </a:effectRef>
+              <a:fontRef idx="minor">
+                <a:schemeClr val="tx1"/>
+              </a:fontRef>
+            </p:style>
+          </p:cxnSp>
+          <p:sp>
+            <p:nvSpPr>
+              <p:cNvPr id="12" name="Rectangle 11">
+                <a:extLst>
+                  <a:ext uri="{FF2B5EF4-FFF2-40B4-BE49-F238E27FC236}">
+                    <a16:creationId xmlns:a16="http://schemas.microsoft.com/office/drawing/2014/main" id="{38CBF7C7-BB51-4726-912C-927558EB4332}"/>
+                  </a:ext>
+                </a:extLst>
+              </p:cNvPr>
+              <p:cNvSpPr/>
+              <p:nvPr/>
+            </p:nvSpPr>
+            <p:spPr>
+              <a:xfrm>
+                <a:off x="4455795" y="1936322"/>
+                <a:ext cx="1860268" cy="278261"/>
+              </a:xfrm>
+              <a:prstGeom prst="rect">
+                <a:avLst/>
+              </a:prstGeom>
+              <a:noFill/>
+              <a:ln w="44450">
+                <a:solidFill>
+                  <a:schemeClr val="tx1"/>
+                </a:solidFill>
+              </a:ln>
+            </p:spPr>
+            <p:style>
+              <a:lnRef idx="2">
+                <a:schemeClr val="accent1">
+                  <a:shade val="50000"/>
+                </a:schemeClr>
+              </a:lnRef>
+              <a:fillRef idx="1">
+                <a:schemeClr val="accent1"/>
+              </a:fillRef>
+              <a:effectRef idx="0">
+                <a:schemeClr val="accent1"/>
+              </a:effectRef>
+              <a:fontRef idx="minor">
+                <a:schemeClr val="lt1"/>
+              </a:fontRef>
+            </p:style>
+            <p:txBody>
+              <a:bodyPr rtlCol="0" anchor="ctr"/>
+              <a:lstStyle/>
+              <a:p>
+                <a:pPr algn="ctr"/>
+                <a:endParaRPr lang="en-GB" i="1"/>
+              </a:p>
+            </p:txBody>
+          </p:sp>
+          <p:sp>
+            <p:nvSpPr>
+              <p:cNvPr id="13" name="Rectangle 12">
+                <a:extLst>
+                  <a:ext uri="{FF2B5EF4-FFF2-40B4-BE49-F238E27FC236}">
+                    <a16:creationId xmlns:a16="http://schemas.microsoft.com/office/drawing/2014/main" id="{DA37434A-26A4-4BC8-A59D-D5CA0CA36D5E}"/>
+                  </a:ext>
+                </a:extLst>
+              </p:cNvPr>
+              <p:cNvSpPr/>
+              <p:nvPr/>
+            </p:nvSpPr>
+            <p:spPr>
+              <a:xfrm>
+                <a:off x="6316063" y="1937958"/>
+                <a:ext cx="1739732" cy="278261"/>
+              </a:xfrm>
+              <a:prstGeom prst="rect">
+                <a:avLst/>
+              </a:prstGeom>
+              <a:noFill/>
+              <a:ln w="44450">
+                <a:solidFill>
+                  <a:schemeClr val="tx1"/>
+                </a:solidFill>
+              </a:ln>
+            </p:spPr>
+            <p:style>
+              <a:lnRef idx="2">
+                <a:schemeClr val="accent1">
+                  <a:shade val="50000"/>
+                </a:schemeClr>
+              </a:lnRef>
+              <a:fillRef idx="1">
+                <a:schemeClr val="accent1"/>
+              </a:fillRef>
+              <a:effectRef idx="0">
+                <a:schemeClr val="accent1"/>
+              </a:effectRef>
+              <a:fontRef idx="minor">
+                <a:schemeClr val="lt1"/>
+              </a:fontRef>
+            </p:style>
+            <p:txBody>
+              <a:bodyPr rtlCol="0" anchor="ctr"/>
+              <a:lstStyle/>
+              <a:p>
+                <a:pPr algn="ctr"/>
+                <a:endParaRPr lang="en-GB" i="1"/>
+              </a:p>
+            </p:txBody>
+          </p:sp>
+          <p:sp>
+            <p:nvSpPr>
+              <p:cNvPr id="14" name="Rectangle 13">
+                <a:extLst>
+                  <a:ext uri="{FF2B5EF4-FFF2-40B4-BE49-F238E27FC236}">
+                    <a16:creationId xmlns:a16="http://schemas.microsoft.com/office/drawing/2014/main" id="{0FE6397D-EC6D-44B7-9E83-3D050AC5B80B}"/>
+                  </a:ext>
+                </a:extLst>
+              </p:cNvPr>
+              <p:cNvSpPr/>
+              <p:nvPr/>
+            </p:nvSpPr>
+            <p:spPr>
+              <a:xfrm rot="16200000">
+                <a:off x="3269628" y="4684820"/>
+                <a:ext cx="1778367" cy="553855"/>
+              </a:xfrm>
+              <a:prstGeom prst="rect">
+                <a:avLst/>
+              </a:prstGeom>
+              <a:noFill/>
+              <a:ln w="44450">
+                <a:solidFill>
+                  <a:schemeClr val="tx1"/>
+                </a:solidFill>
+              </a:ln>
+            </p:spPr>
+            <p:style>
+              <a:lnRef idx="2">
+                <a:schemeClr val="accent1">
+                  <a:shade val="50000"/>
+                </a:schemeClr>
+              </a:lnRef>
+              <a:fillRef idx="1">
+                <a:schemeClr val="accent1"/>
+              </a:fillRef>
+              <a:effectRef idx="0">
+                <a:schemeClr val="accent1"/>
+              </a:effectRef>
+              <a:fontRef idx="minor">
+                <a:schemeClr val="lt1"/>
+              </a:fontRef>
+            </p:style>
+            <p:txBody>
+              <a:bodyPr rtlCol="0" anchor="ctr"/>
+              <a:lstStyle/>
+              <a:p>
+                <a:pPr algn="ctr"/>
+                <a:endParaRPr lang="en-GB" i="1"/>
+              </a:p>
+            </p:txBody>
+          </p:sp>
+          <p:sp>
+            <p:nvSpPr>
+              <p:cNvPr id="15" name="Rectangle 14">
+                <a:extLst>
+                  <a:ext uri="{FF2B5EF4-FFF2-40B4-BE49-F238E27FC236}">
+                    <a16:creationId xmlns:a16="http://schemas.microsoft.com/office/drawing/2014/main" id="{62BFFF0C-0E7A-4F98-8AEC-14C9A5D1C983}"/>
+                  </a:ext>
+                </a:extLst>
+              </p:cNvPr>
+              <p:cNvSpPr/>
+              <p:nvPr/>
+            </p:nvSpPr>
+            <p:spPr>
+              <a:xfrm rot="16200000">
+                <a:off x="3270342" y="2862126"/>
+                <a:ext cx="1778367" cy="555976"/>
+              </a:xfrm>
+              <a:prstGeom prst="rect">
+                <a:avLst/>
+              </a:prstGeom>
+              <a:noFill/>
+              <a:ln w="44450">
+                <a:solidFill>
+                  <a:schemeClr val="tx1"/>
+                </a:solidFill>
+              </a:ln>
+            </p:spPr>
+            <p:style>
+              <a:lnRef idx="2">
+                <a:schemeClr val="accent1">
+                  <a:shade val="50000"/>
+                </a:schemeClr>
+              </a:lnRef>
+              <a:fillRef idx="1">
+                <a:schemeClr val="accent1"/>
+              </a:fillRef>
+              <a:effectRef idx="0">
+                <a:schemeClr val="accent1"/>
+              </a:effectRef>
+              <a:fontRef idx="minor">
+                <a:schemeClr val="lt1"/>
+              </a:fontRef>
+            </p:style>
+            <p:txBody>
+              <a:bodyPr rtlCol="0" anchor="ctr"/>
+              <a:lstStyle/>
+              <a:p>
+                <a:pPr algn="ctr"/>
+                <a:endParaRPr lang="en-GB" i="1"/>
+              </a:p>
+            </p:txBody>
+          </p:sp>
+        </p:grpSp>
+        <p:pic>
+          <p:nvPicPr>
+            <p:cNvPr id="16" name="Picture 15">
+              <a:extLst>
+                <a:ext uri="{FF2B5EF4-FFF2-40B4-BE49-F238E27FC236}">
+                  <a16:creationId xmlns:a16="http://schemas.microsoft.com/office/drawing/2014/main" id="{FF9D6004-D1B0-4D67-B5C1-8F1949C2A2A5}"/>
+                </a:ext>
+              </a:extLst>
+            </p:cNvPr>
+            <p:cNvPicPr>
+              <a:picLocks noChangeAspect="1"/>
+            </p:cNvPicPr>
+            <p:nvPr/>
+          </p:nvPicPr>
+          <p:blipFill>
+            <a:blip r:embed="rId4"/>
+            <a:stretch>
+              <a:fillRect/>
+            </a:stretch>
+          </p:blipFill>
+          <p:spPr>
+            <a:xfrm>
+              <a:off x="6636510" y="4655596"/>
+              <a:ext cx="1129048" cy="1026000"/>
+            </a:xfrm>
+            <a:prstGeom prst="rect">
+              <a:avLst/>
+            </a:prstGeom>
+          </p:spPr>
+        </p:pic>
+        <p:grpSp>
+          <p:nvGrpSpPr>
+            <p:cNvPr id="17" name="Group 16">
+              <a:extLst>
+                <a:ext uri="{FF2B5EF4-FFF2-40B4-BE49-F238E27FC236}">
+                  <a16:creationId xmlns:a16="http://schemas.microsoft.com/office/drawing/2014/main" id="{8162E806-DBF5-4E61-92BC-809A37CAF8F9}"/>
+                </a:ext>
+              </a:extLst>
+            </p:cNvPr>
+            <p:cNvGrpSpPr/>
+            <p:nvPr/>
+          </p:nvGrpSpPr>
+          <p:grpSpPr>
+            <a:xfrm>
+              <a:off x="4740554" y="2271867"/>
+              <a:ext cx="1272078" cy="1614352"/>
+              <a:chOff x="6615389" y="2177214"/>
+              <a:chExt cx="1272078" cy="1614352"/>
+            </a:xfrm>
+          </p:grpSpPr>
+          <p:pic>
+            <p:nvPicPr>
+              <p:cNvPr id="18" name="Picture 17">
+                <a:extLst>
+                  <a:ext uri="{FF2B5EF4-FFF2-40B4-BE49-F238E27FC236}">
+                    <a16:creationId xmlns:a16="http://schemas.microsoft.com/office/drawing/2014/main" id="{4DB6DF76-72FE-49B9-881F-E91C4B701194}"/>
+                  </a:ext>
+                </a:extLst>
+              </p:cNvPr>
+              <p:cNvPicPr>
+                <a:picLocks noChangeAspect="1"/>
+              </p:cNvPicPr>
+              <p:nvPr/>
+            </p:nvPicPr>
+            <p:blipFill>
+              <a:blip r:embed="rId5"/>
+              <a:stretch>
+                <a:fillRect/>
+              </a:stretch>
+            </p:blipFill>
+            <p:spPr>
+              <a:xfrm>
+                <a:off x="6615389" y="2765566"/>
+                <a:ext cx="1175004" cy="1026000"/>
+              </a:xfrm>
+              <a:prstGeom prst="rect">
+                <a:avLst/>
+              </a:prstGeom>
+            </p:spPr>
+          </p:pic>
+          <p:sp>
+            <p:nvSpPr>
+              <p:cNvPr id="19" name="TextBox 18">
+                <a:extLst>
+                  <a:ext uri="{FF2B5EF4-FFF2-40B4-BE49-F238E27FC236}">
+                    <a16:creationId xmlns:a16="http://schemas.microsoft.com/office/drawing/2014/main" id="{3676E7AA-E043-410E-A436-7ED442A58361}"/>
+                  </a:ext>
+                </a:extLst>
+              </p:cNvPr>
+              <p:cNvSpPr txBox="1"/>
+              <p:nvPr/>
+            </p:nvSpPr>
+            <p:spPr>
+              <a:xfrm>
+                <a:off x="6642635" y="2177214"/>
+                <a:ext cx="1244832" cy="646331"/>
+              </a:xfrm>
+              <a:prstGeom prst="rect">
+                <a:avLst/>
+              </a:prstGeom>
+              <a:noFill/>
+            </p:spPr>
+            <p:txBody>
+              <a:bodyPr wrap="square" rtlCol="0">
+                <a:spAutoFit/>
+              </a:bodyPr>
+              <a:lstStyle/>
+              <a:p>
+                <a:pPr algn="ctr"/>
+                <a:r>
+                  <a:rPr lang="en-US" i="1" dirty="0"/>
+                  <a:t>I</a:t>
+                </a:r>
+                <a:r>
+                  <a:rPr lang="en-US" i="1" baseline="30000" dirty="0"/>
+                  <a:t>A</a:t>
+                </a:r>
+                <a:r>
+                  <a:rPr lang="en-US" i="1" dirty="0"/>
+                  <a:t>I</a:t>
+                </a:r>
+                <a:r>
+                  <a:rPr lang="en-US" i="1" baseline="30000" dirty="0"/>
+                  <a:t>B</a:t>
+                </a:r>
+              </a:p>
+              <a:p>
+                <a:pPr algn="ctr"/>
+                <a:r>
+                  <a:rPr lang="en-US" i="1" dirty="0"/>
+                  <a:t>fut1</a:t>
+                </a:r>
+                <a:r>
+                  <a:rPr lang="en-US" i="1" baseline="30000" dirty="0"/>
+                  <a:t>H</a:t>
+                </a:r>
+                <a:r>
+                  <a:rPr lang="en-US" i="1" dirty="0"/>
+                  <a:t> </a:t>
+                </a:r>
+                <a:r>
+                  <a:rPr lang="en-US" i="1" dirty="0" err="1"/>
+                  <a:t>fut1</a:t>
+                </a:r>
+                <a:r>
+                  <a:rPr lang="en-US" i="1" baseline="30000" dirty="0" err="1"/>
+                  <a:t>H</a:t>
+                </a:r>
+                <a:endParaRPr lang="en-GB" i="1" baseline="30000" dirty="0"/>
+              </a:p>
+            </p:txBody>
+          </p:sp>
+        </p:grpSp>
+        <p:sp>
+          <p:nvSpPr>
+            <p:cNvPr id="20" name="TextBox 19">
+              <a:extLst>
+                <a:ext uri="{FF2B5EF4-FFF2-40B4-BE49-F238E27FC236}">
+                  <a16:creationId xmlns:a16="http://schemas.microsoft.com/office/drawing/2014/main" id="{82101EEE-DD9E-44F7-A044-7219D15FDBC6}"/>
+                </a:ext>
+              </a:extLst>
+            </p:cNvPr>
+            <p:cNvSpPr txBox="1"/>
+            <p:nvPr/>
+          </p:nvSpPr>
+          <p:spPr>
+            <a:xfrm>
+              <a:off x="5040029" y="1897789"/>
+              <a:ext cx="1040130" cy="369332"/>
+            </a:xfrm>
+            <a:prstGeom prst="rect">
+              <a:avLst/>
+            </a:prstGeom>
+            <a:noFill/>
+          </p:spPr>
+          <p:txBody>
+            <a:bodyPr wrap="square" rtlCol="0">
+              <a:spAutoFit/>
+            </a:bodyPr>
+            <a:lstStyle/>
+            <a:p>
+              <a:r>
+                <a:rPr lang="en-US" i="1" dirty="0"/>
+                <a:t>I</a:t>
+              </a:r>
+              <a:r>
+                <a:rPr lang="en-US" i="1" baseline="30000" dirty="0"/>
+                <a:t>A </a:t>
+              </a:r>
+              <a:r>
+                <a:rPr lang="en-US" i="1" dirty="0"/>
+                <a:t>fut1</a:t>
+              </a:r>
+              <a:r>
+                <a:rPr lang="en-US" i="1" baseline="30000" dirty="0"/>
+                <a:t>H</a:t>
+              </a:r>
+              <a:endParaRPr lang="en-GB" i="1" baseline="30000" dirty="0"/>
+            </a:p>
+          </p:txBody>
+        </p:sp>
+        <p:sp>
+          <p:nvSpPr>
+            <p:cNvPr id="21" name="TextBox 20">
+              <a:extLst>
+                <a:ext uri="{FF2B5EF4-FFF2-40B4-BE49-F238E27FC236}">
+                  <a16:creationId xmlns:a16="http://schemas.microsoft.com/office/drawing/2014/main" id="{7487553F-72E6-486C-A707-265FE11F25BF}"/>
+                </a:ext>
+              </a:extLst>
+            </p:cNvPr>
+            <p:cNvSpPr txBox="1"/>
+            <p:nvPr/>
+          </p:nvSpPr>
+          <p:spPr>
+            <a:xfrm>
+              <a:off x="6787871" y="1893027"/>
+              <a:ext cx="1040130" cy="369332"/>
+            </a:xfrm>
+            <a:prstGeom prst="rect">
+              <a:avLst/>
+            </a:prstGeom>
+            <a:noFill/>
+          </p:spPr>
+          <p:txBody>
+            <a:bodyPr wrap="square" rtlCol="0">
+              <a:spAutoFit/>
+            </a:bodyPr>
+            <a:lstStyle/>
+            <a:p>
+              <a:r>
+                <a:rPr lang="en-US" i="1" dirty="0"/>
+                <a:t>I</a:t>
+              </a:r>
+              <a:r>
+                <a:rPr lang="en-US" i="1" baseline="30000" dirty="0"/>
+                <a:t>A </a:t>
+              </a:r>
+              <a:r>
+                <a:rPr lang="en-US" i="1" dirty="0"/>
+                <a:t>fut1</a:t>
+              </a:r>
+              <a:r>
+                <a:rPr lang="en-US" i="1" baseline="30000" dirty="0"/>
+                <a:t>h</a:t>
+              </a:r>
+              <a:endParaRPr lang="en-GB" i="1" baseline="30000" dirty="0"/>
+            </a:p>
+          </p:txBody>
+        </p:sp>
+        <p:sp>
+          <p:nvSpPr>
+            <p:cNvPr id="22" name="TextBox 21">
+              <a:extLst>
+                <a:ext uri="{FF2B5EF4-FFF2-40B4-BE49-F238E27FC236}">
+                  <a16:creationId xmlns:a16="http://schemas.microsoft.com/office/drawing/2014/main" id="{FD31922D-6028-44C5-9F0F-CC6FBEF43A0B}"/>
+                </a:ext>
+              </a:extLst>
+            </p:cNvPr>
+            <p:cNvSpPr txBox="1"/>
+            <p:nvPr/>
+          </p:nvSpPr>
+          <p:spPr>
+            <a:xfrm>
+              <a:off x="3763523" y="2780600"/>
+              <a:ext cx="798441" cy="646331"/>
+            </a:xfrm>
+            <a:prstGeom prst="rect">
+              <a:avLst/>
+            </a:prstGeom>
+            <a:noFill/>
+          </p:spPr>
+          <p:txBody>
+            <a:bodyPr wrap="square" rtlCol="0">
+              <a:spAutoFit/>
+            </a:bodyPr>
+            <a:lstStyle/>
+            <a:p>
+              <a:pPr algn="ctr"/>
+              <a:r>
+                <a:rPr lang="en-US" i="1" dirty="0"/>
+                <a:t>I</a:t>
+              </a:r>
+              <a:r>
+                <a:rPr lang="en-US" i="1" baseline="30000" dirty="0"/>
+                <a:t>B </a:t>
+              </a:r>
+              <a:r>
+                <a:rPr lang="en-US" i="1" dirty="0"/>
+                <a:t>fut1</a:t>
+              </a:r>
+              <a:r>
+                <a:rPr lang="en-US" i="1" baseline="30000" dirty="0"/>
+                <a:t>H</a:t>
+              </a:r>
+              <a:endParaRPr lang="en-GB" i="1" baseline="30000" dirty="0"/>
+            </a:p>
+          </p:txBody>
+        </p:sp>
+        <p:sp>
+          <p:nvSpPr>
+            <p:cNvPr id="23" name="TextBox 22">
+              <a:extLst>
+                <a:ext uri="{FF2B5EF4-FFF2-40B4-BE49-F238E27FC236}">
+                  <a16:creationId xmlns:a16="http://schemas.microsoft.com/office/drawing/2014/main" id="{5A0128AF-865D-494E-BE2C-DEC2880BC1B3}"/>
+                </a:ext>
+              </a:extLst>
+            </p:cNvPr>
+            <p:cNvSpPr txBox="1"/>
+            <p:nvPr/>
+          </p:nvSpPr>
+          <p:spPr>
+            <a:xfrm>
+              <a:off x="3763523" y="4558965"/>
+              <a:ext cx="798441" cy="646331"/>
+            </a:xfrm>
+            <a:prstGeom prst="rect">
+              <a:avLst/>
+            </a:prstGeom>
+            <a:noFill/>
+          </p:spPr>
+          <p:txBody>
+            <a:bodyPr wrap="square" rtlCol="0">
+              <a:spAutoFit/>
+            </a:bodyPr>
+            <a:lstStyle/>
+            <a:p>
+              <a:pPr algn="ctr"/>
+              <a:r>
+                <a:rPr lang="en-US" i="1" dirty="0"/>
+                <a:t>I</a:t>
+              </a:r>
+              <a:r>
+                <a:rPr lang="en-US" i="1" baseline="30000" dirty="0"/>
+                <a:t>B </a:t>
+              </a:r>
+              <a:r>
+                <a:rPr lang="en-US" i="1" dirty="0"/>
+                <a:t>fut1</a:t>
+              </a:r>
+              <a:r>
+                <a:rPr lang="en-US" i="1" baseline="30000" dirty="0"/>
+                <a:t>h</a:t>
+              </a:r>
+              <a:endParaRPr lang="en-GB" i="1" baseline="30000" dirty="0"/>
+            </a:p>
+          </p:txBody>
+        </p:sp>
+        <p:grpSp>
+          <p:nvGrpSpPr>
+            <p:cNvPr id="24" name="Group 23">
+              <a:extLst>
+                <a:ext uri="{FF2B5EF4-FFF2-40B4-BE49-F238E27FC236}">
+                  <a16:creationId xmlns:a16="http://schemas.microsoft.com/office/drawing/2014/main" id="{7E557B8C-B328-4A41-9851-16FDD04E74AD}"/>
+                </a:ext>
+              </a:extLst>
+            </p:cNvPr>
+            <p:cNvGrpSpPr/>
+            <p:nvPr/>
+          </p:nvGrpSpPr>
+          <p:grpSpPr>
+            <a:xfrm>
+              <a:off x="4701152" y="4111004"/>
+              <a:ext cx="1272078" cy="1614352"/>
+              <a:chOff x="6615389" y="2177214"/>
+              <a:chExt cx="1272078" cy="1614352"/>
+            </a:xfrm>
+          </p:grpSpPr>
+          <p:pic>
+            <p:nvPicPr>
+              <p:cNvPr id="25" name="Picture 24">
+                <a:extLst>
+                  <a:ext uri="{FF2B5EF4-FFF2-40B4-BE49-F238E27FC236}">
+                    <a16:creationId xmlns:a16="http://schemas.microsoft.com/office/drawing/2014/main" id="{41614141-5C33-4F87-A26F-E1C17A93E862}"/>
+                  </a:ext>
+                </a:extLst>
+              </p:cNvPr>
+              <p:cNvPicPr>
+                <a:picLocks noChangeAspect="1"/>
+              </p:cNvPicPr>
+              <p:nvPr/>
+            </p:nvPicPr>
+            <p:blipFill>
+              <a:blip r:embed="rId5"/>
+              <a:stretch>
+                <a:fillRect/>
+              </a:stretch>
+            </p:blipFill>
+            <p:spPr>
+              <a:xfrm>
+                <a:off x="6615389" y="2765566"/>
+                <a:ext cx="1175004" cy="1026000"/>
+              </a:xfrm>
+              <a:prstGeom prst="rect">
+                <a:avLst/>
+              </a:prstGeom>
+            </p:spPr>
+          </p:pic>
+          <p:sp>
+            <p:nvSpPr>
+              <p:cNvPr id="26" name="TextBox 25">
+                <a:extLst>
+                  <a:ext uri="{FF2B5EF4-FFF2-40B4-BE49-F238E27FC236}">
+                    <a16:creationId xmlns:a16="http://schemas.microsoft.com/office/drawing/2014/main" id="{EEAC0343-D3D5-4394-84FF-3370923CAA9A}"/>
+                  </a:ext>
+                </a:extLst>
+              </p:cNvPr>
+              <p:cNvSpPr txBox="1"/>
+              <p:nvPr/>
+            </p:nvSpPr>
+            <p:spPr>
+              <a:xfrm>
+                <a:off x="6642635" y="2177214"/>
+                <a:ext cx="1244832" cy="646331"/>
+              </a:xfrm>
+              <a:prstGeom prst="rect">
+                <a:avLst/>
+              </a:prstGeom>
+              <a:noFill/>
+            </p:spPr>
+            <p:txBody>
+              <a:bodyPr wrap="square" rtlCol="0">
+                <a:spAutoFit/>
+              </a:bodyPr>
+              <a:lstStyle/>
+              <a:p>
+                <a:pPr algn="ctr"/>
+                <a:r>
+                  <a:rPr lang="en-US" i="1" dirty="0"/>
+                  <a:t>I</a:t>
+                </a:r>
+                <a:r>
+                  <a:rPr lang="en-US" i="1" baseline="30000" dirty="0"/>
+                  <a:t>A</a:t>
+                </a:r>
+                <a:r>
+                  <a:rPr lang="en-US" i="1" dirty="0"/>
+                  <a:t>I</a:t>
+                </a:r>
+                <a:r>
+                  <a:rPr lang="en-US" i="1" baseline="30000" dirty="0"/>
+                  <a:t>B</a:t>
+                </a:r>
+              </a:p>
+              <a:p>
+                <a:pPr algn="ctr"/>
+                <a:r>
+                  <a:rPr lang="en-US" i="1" dirty="0"/>
+                  <a:t>fut1</a:t>
+                </a:r>
+                <a:r>
+                  <a:rPr lang="en-US" i="1" baseline="30000" dirty="0"/>
+                  <a:t>H</a:t>
+                </a:r>
+                <a:r>
+                  <a:rPr lang="en-US" i="1" dirty="0"/>
+                  <a:t> </a:t>
+                </a:r>
+                <a:r>
+                  <a:rPr lang="en-US" i="1" dirty="0" err="1"/>
+                  <a:t>fut1</a:t>
+                </a:r>
+                <a:r>
+                  <a:rPr lang="en-US" i="1" baseline="30000" dirty="0" err="1"/>
+                  <a:t>h</a:t>
+                </a:r>
+                <a:endParaRPr lang="en-GB" i="1" baseline="30000" dirty="0"/>
+              </a:p>
+            </p:txBody>
+          </p:sp>
+        </p:grpSp>
+        <p:grpSp>
+          <p:nvGrpSpPr>
+            <p:cNvPr id="27" name="Group 26">
+              <a:extLst>
+                <a:ext uri="{FF2B5EF4-FFF2-40B4-BE49-F238E27FC236}">
+                  <a16:creationId xmlns:a16="http://schemas.microsoft.com/office/drawing/2014/main" id="{9164397A-02F9-45D7-AA13-CE3C553A1F9F}"/>
+                </a:ext>
+              </a:extLst>
+            </p:cNvPr>
+            <p:cNvGrpSpPr/>
+            <p:nvPr/>
+          </p:nvGrpSpPr>
+          <p:grpSpPr>
+            <a:xfrm>
+              <a:off x="6596866" y="2288470"/>
+              <a:ext cx="1272078" cy="1614352"/>
+              <a:chOff x="6615389" y="2177214"/>
+              <a:chExt cx="1272078" cy="1614352"/>
+            </a:xfrm>
+          </p:grpSpPr>
+          <p:pic>
+            <p:nvPicPr>
+              <p:cNvPr id="28" name="Picture 27">
+                <a:extLst>
+                  <a:ext uri="{FF2B5EF4-FFF2-40B4-BE49-F238E27FC236}">
+                    <a16:creationId xmlns:a16="http://schemas.microsoft.com/office/drawing/2014/main" id="{C035A5F8-B8D3-4719-AD6D-93E26E932932}"/>
+                  </a:ext>
+                </a:extLst>
+              </p:cNvPr>
+              <p:cNvPicPr>
+                <a:picLocks noChangeAspect="1"/>
+              </p:cNvPicPr>
+              <p:nvPr/>
+            </p:nvPicPr>
+            <p:blipFill>
+              <a:blip r:embed="rId5"/>
+              <a:stretch>
+                <a:fillRect/>
+              </a:stretch>
+            </p:blipFill>
+            <p:spPr>
+              <a:xfrm>
+                <a:off x="6615389" y="2765566"/>
+                <a:ext cx="1175004" cy="1026000"/>
+              </a:xfrm>
+              <a:prstGeom prst="rect">
+                <a:avLst/>
+              </a:prstGeom>
+            </p:spPr>
+          </p:pic>
+          <p:sp>
+            <p:nvSpPr>
+              <p:cNvPr id="29" name="TextBox 28">
+                <a:extLst>
+                  <a:ext uri="{FF2B5EF4-FFF2-40B4-BE49-F238E27FC236}">
+                    <a16:creationId xmlns:a16="http://schemas.microsoft.com/office/drawing/2014/main" id="{7640C89D-F717-434F-9D88-6127D1DA34B1}"/>
+                  </a:ext>
+                </a:extLst>
+              </p:cNvPr>
+              <p:cNvSpPr txBox="1"/>
+              <p:nvPr/>
+            </p:nvSpPr>
+            <p:spPr>
+              <a:xfrm>
+                <a:off x="6642635" y="2177214"/>
+                <a:ext cx="1244832" cy="646331"/>
+              </a:xfrm>
+              <a:prstGeom prst="rect">
+                <a:avLst/>
+              </a:prstGeom>
+              <a:noFill/>
+            </p:spPr>
+            <p:txBody>
+              <a:bodyPr wrap="square" rtlCol="0">
+                <a:spAutoFit/>
+              </a:bodyPr>
+              <a:lstStyle/>
+              <a:p>
+                <a:pPr algn="ctr"/>
+                <a:r>
+                  <a:rPr lang="en-US" i="1" dirty="0"/>
+                  <a:t>I</a:t>
+                </a:r>
+                <a:r>
+                  <a:rPr lang="en-US" i="1" baseline="30000" dirty="0"/>
+                  <a:t>A</a:t>
+                </a:r>
+                <a:r>
+                  <a:rPr lang="en-US" i="1" dirty="0"/>
+                  <a:t>I</a:t>
+                </a:r>
+                <a:r>
+                  <a:rPr lang="en-US" i="1" baseline="30000" dirty="0"/>
+                  <a:t>B</a:t>
+                </a:r>
+              </a:p>
+              <a:p>
+                <a:pPr algn="ctr"/>
+                <a:r>
+                  <a:rPr lang="en-US" i="1" dirty="0"/>
+                  <a:t>fut1</a:t>
+                </a:r>
+                <a:r>
+                  <a:rPr lang="en-US" i="1" baseline="30000" dirty="0"/>
+                  <a:t>H</a:t>
+                </a:r>
+                <a:r>
+                  <a:rPr lang="en-US" i="1" dirty="0"/>
+                  <a:t> </a:t>
+                </a:r>
+                <a:r>
+                  <a:rPr lang="en-US" i="1" dirty="0" err="1"/>
+                  <a:t>fut1</a:t>
+                </a:r>
+                <a:r>
+                  <a:rPr lang="en-US" i="1" baseline="30000" dirty="0" err="1"/>
+                  <a:t>h</a:t>
+                </a:r>
+                <a:endParaRPr lang="en-GB" i="1" baseline="30000" dirty="0"/>
+              </a:p>
+            </p:txBody>
+          </p:sp>
+        </p:grpSp>
+        <p:sp>
+          <p:nvSpPr>
+            <p:cNvPr id="30" name="TextBox 29">
+              <a:extLst>
+                <a:ext uri="{FF2B5EF4-FFF2-40B4-BE49-F238E27FC236}">
+                  <a16:creationId xmlns:a16="http://schemas.microsoft.com/office/drawing/2014/main" id="{4C08313D-79AA-4814-9C4D-4F55C9678D4A}"/>
+                </a:ext>
+              </a:extLst>
+            </p:cNvPr>
+            <p:cNvSpPr txBox="1"/>
+            <p:nvPr/>
+          </p:nvSpPr>
+          <p:spPr>
+            <a:xfrm>
+              <a:off x="6578618" y="4065948"/>
+              <a:ext cx="1244832" cy="646331"/>
+            </a:xfrm>
+            <a:prstGeom prst="rect">
+              <a:avLst/>
+            </a:prstGeom>
+            <a:noFill/>
+          </p:spPr>
+          <p:txBody>
+            <a:bodyPr wrap="square" rtlCol="0">
+              <a:spAutoFit/>
+            </a:bodyPr>
+            <a:lstStyle/>
+            <a:p>
+              <a:pPr algn="ctr"/>
+              <a:r>
+                <a:rPr lang="en-US" i="1" dirty="0"/>
+                <a:t>I</a:t>
+              </a:r>
+              <a:r>
+                <a:rPr lang="en-US" i="1" baseline="30000" dirty="0"/>
+                <a:t>A</a:t>
+              </a:r>
+              <a:r>
+                <a:rPr lang="en-US" i="1" dirty="0"/>
+                <a:t>I</a:t>
+              </a:r>
+              <a:r>
+                <a:rPr lang="en-US" i="1" baseline="30000" dirty="0"/>
+                <a:t>B</a:t>
+              </a:r>
+            </a:p>
+            <a:p>
+              <a:pPr algn="ctr"/>
+              <a:r>
+                <a:rPr lang="en-US" i="1" dirty="0"/>
+                <a:t>fut1</a:t>
+              </a:r>
+              <a:r>
+                <a:rPr lang="en-US" i="1" baseline="30000" dirty="0"/>
+                <a:t>h</a:t>
+              </a:r>
+              <a:r>
+                <a:rPr lang="en-US" i="1" dirty="0"/>
+                <a:t> </a:t>
+              </a:r>
+              <a:r>
+                <a:rPr lang="en-US" i="1" dirty="0" err="1"/>
+                <a:t>fut1</a:t>
+              </a:r>
+              <a:r>
+                <a:rPr lang="en-US" i="1" baseline="30000" dirty="0" err="1"/>
+                <a:t>h</a:t>
+              </a:r>
+              <a:endParaRPr lang="en-GB" i="1" baseline="30000" dirty="0"/>
+            </a:p>
+          </p:txBody>
+        </p:sp>
+      </p:grpSp>
+    </p:spTree>
+    <p:extLst>
+      <p:ext uri="{BB962C8B-B14F-4D97-AF65-F5344CB8AC3E}">
+        <p14:creationId xmlns:p14="http://schemas.microsoft.com/office/powerpoint/2010/main" val="180746217"/>
       </p:ext>
     </p:extLst>
   </p:cSld>
@@ -8964,6 +10209,136 @@
           </a:p>
         </p:txBody>
       </p:sp>
+      <p:sp>
+        <p:nvSpPr>
+          <p:cNvPr id="30" name="TextBox 29">
+            <a:extLst>
+              <a:ext uri="{FF2B5EF4-FFF2-40B4-BE49-F238E27FC236}">
+                <a16:creationId xmlns:a16="http://schemas.microsoft.com/office/drawing/2014/main" id="{4CE5C69D-5D2C-4375-A638-F91A21ADDFFD}"/>
+              </a:ext>
+            </a:extLst>
+          </p:cNvPr>
+          <p:cNvSpPr txBox="1"/>
+          <p:nvPr/>
+        </p:nvSpPr>
+        <p:spPr>
+          <a:xfrm>
+            <a:off x="9727843" y="4526510"/>
+            <a:ext cx="1390261" cy="369332"/>
+          </a:xfrm>
+          <a:prstGeom prst="rect">
+            <a:avLst/>
+          </a:prstGeom>
+          <a:noFill/>
+        </p:spPr>
+        <p:txBody>
+          <a:bodyPr wrap="square" rtlCol="0">
+            <a:spAutoFit/>
+          </a:bodyPr>
+          <a:lstStyle/>
+          <a:p>
+            <a:r>
+              <a:rPr lang="en-US" b="1" dirty="0"/>
+              <a:t>A antigen</a:t>
+            </a:r>
+          </a:p>
+        </p:txBody>
+      </p:sp>
+      <p:pic>
+        <p:nvPicPr>
+          <p:cNvPr id="44" name="Picture 43">
+            <a:extLst>
+              <a:ext uri="{FF2B5EF4-FFF2-40B4-BE49-F238E27FC236}">
+                <a16:creationId xmlns:a16="http://schemas.microsoft.com/office/drawing/2014/main" id="{3C6F0A47-C828-4ACD-A7F1-8D033A1B9AEB}"/>
+              </a:ext>
+            </a:extLst>
+          </p:cNvPr>
+          <p:cNvPicPr>
+            <a:picLocks noChangeAspect="1"/>
+          </p:cNvPicPr>
+          <p:nvPr/>
+        </p:nvPicPr>
+        <p:blipFill>
+          <a:blip r:embed="rId6"/>
+          <a:stretch>
+            <a:fillRect/>
+          </a:stretch>
+        </p:blipFill>
+        <p:spPr>
+          <a:xfrm>
+            <a:off x="9004734" y="5282233"/>
+            <a:ext cx="526157" cy="478633"/>
+          </a:xfrm>
+          <a:prstGeom prst="rect">
+            <a:avLst/>
+          </a:prstGeom>
+        </p:spPr>
+      </p:pic>
+      <p:pic>
+        <p:nvPicPr>
+          <p:cNvPr id="45" name="Picture 44">
+            <a:extLst>
+              <a:ext uri="{FF2B5EF4-FFF2-40B4-BE49-F238E27FC236}">
+                <a16:creationId xmlns:a16="http://schemas.microsoft.com/office/drawing/2014/main" id="{16B35907-07A1-427C-9957-CABF9A7D7F71}"/>
+              </a:ext>
+            </a:extLst>
+          </p:cNvPr>
+          <p:cNvPicPr>
+            <a:picLocks noChangeAspect="1"/>
+          </p:cNvPicPr>
+          <p:nvPr/>
+        </p:nvPicPr>
+        <p:blipFill>
+          <a:blip r:embed="rId7"/>
+          <a:stretch>
+            <a:fillRect/>
+          </a:stretch>
+        </p:blipFill>
+        <p:spPr>
+          <a:xfrm>
+            <a:off x="8996621" y="4445045"/>
+            <a:ext cx="600075" cy="628650"/>
+          </a:xfrm>
+          <a:prstGeom prst="rect">
+            <a:avLst/>
+          </a:prstGeom>
+        </p:spPr>
+      </p:pic>
+      <p:sp>
+        <p:nvSpPr>
+          <p:cNvPr id="46" name="TextBox 45">
+            <a:extLst>
+              <a:ext uri="{FF2B5EF4-FFF2-40B4-BE49-F238E27FC236}">
+                <a16:creationId xmlns:a16="http://schemas.microsoft.com/office/drawing/2014/main" id="{92D0B5C2-0EDC-43D2-9BAC-E2E7AD22B617}"/>
+              </a:ext>
+            </a:extLst>
+          </p:cNvPr>
+          <p:cNvSpPr txBox="1"/>
+          <p:nvPr/>
+        </p:nvSpPr>
+        <p:spPr>
+          <a:xfrm>
+            <a:off x="9628070" y="5341602"/>
+            <a:ext cx="1390261" cy="369332"/>
+          </a:xfrm>
+          <a:prstGeom prst="rect">
+            <a:avLst/>
+          </a:prstGeom>
+          <a:noFill/>
+        </p:spPr>
+        <p:txBody>
+          <a:bodyPr wrap="square" rtlCol="0">
+            <a:spAutoFit/>
+          </a:bodyPr>
+          <a:lstStyle/>
+          <a:p>
+            <a:r>
+              <a:rPr lang="en-US" b="1" dirty="0"/>
+              <a:t>B antigen</a:t>
+            </a:r>
+          </a:p>
+        </p:txBody>
+      </p:sp>
     </p:spTree>
     <p:extLst>
       <p:ext uri="{BB962C8B-B14F-4D97-AF65-F5344CB8AC3E}">
@@ -10073,6 +11448,136 @@
           </a:p>
         </p:txBody>
       </p:sp>
+      <p:sp>
+        <p:nvSpPr>
+          <p:cNvPr id="47" name="TextBox 46">
+            <a:extLst>
+              <a:ext uri="{FF2B5EF4-FFF2-40B4-BE49-F238E27FC236}">
+                <a16:creationId xmlns:a16="http://schemas.microsoft.com/office/drawing/2014/main" id="{34EBD8F8-AA7D-473B-A25F-11692AFAFA78}"/>
+              </a:ext>
+            </a:extLst>
+          </p:cNvPr>
+          <p:cNvSpPr txBox="1"/>
+          <p:nvPr/>
+        </p:nvSpPr>
+        <p:spPr>
+          <a:xfrm>
+            <a:off x="9727843" y="4526510"/>
+            <a:ext cx="1390261" cy="369332"/>
+          </a:xfrm>
+          <a:prstGeom prst="rect">
+            <a:avLst/>
+          </a:prstGeom>
+          <a:noFill/>
+        </p:spPr>
+        <p:txBody>
+          <a:bodyPr wrap="square" rtlCol="0">
+            <a:spAutoFit/>
+          </a:bodyPr>
+          <a:lstStyle/>
+          <a:p>
+            <a:r>
+              <a:rPr lang="en-US" b="1" dirty="0"/>
+              <a:t>A antigen</a:t>
+            </a:r>
+          </a:p>
+        </p:txBody>
+      </p:sp>
+      <p:pic>
+        <p:nvPicPr>
+          <p:cNvPr id="48" name="Picture 47">
+            <a:extLst>
+              <a:ext uri="{FF2B5EF4-FFF2-40B4-BE49-F238E27FC236}">
+                <a16:creationId xmlns:a16="http://schemas.microsoft.com/office/drawing/2014/main" id="{2A16CD56-1BAE-4B00-B8F5-7017B4C211D6}"/>
+              </a:ext>
+            </a:extLst>
+          </p:cNvPr>
+          <p:cNvPicPr>
+            <a:picLocks noChangeAspect="1"/>
+          </p:cNvPicPr>
+          <p:nvPr/>
+        </p:nvPicPr>
+        <p:blipFill>
+          <a:blip r:embed="rId6"/>
+          <a:stretch>
+            <a:fillRect/>
+          </a:stretch>
+        </p:blipFill>
+        <p:spPr>
+          <a:xfrm>
+            <a:off x="9004734" y="5282233"/>
+            <a:ext cx="526157" cy="478633"/>
+          </a:xfrm>
+          <a:prstGeom prst="rect">
+            <a:avLst/>
+          </a:prstGeom>
+        </p:spPr>
+      </p:pic>
+      <p:pic>
+        <p:nvPicPr>
+          <p:cNvPr id="49" name="Picture 48">
+            <a:extLst>
+              <a:ext uri="{FF2B5EF4-FFF2-40B4-BE49-F238E27FC236}">
+                <a16:creationId xmlns:a16="http://schemas.microsoft.com/office/drawing/2014/main" id="{73447608-21BD-467C-AB02-CC53A4FC3EB4}"/>
+              </a:ext>
+            </a:extLst>
+          </p:cNvPr>
+          <p:cNvPicPr>
+            <a:picLocks noChangeAspect="1"/>
+          </p:cNvPicPr>
+          <p:nvPr/>
+        </p:nvPicPr>
+        <p:blipFill>
+          <a:blip r:embed="rId7"/>
+          <a:stretch>
+            <a:fillRect/>
+          </a:stretch>
+        </p:blipFill>
+        <p:spPr>
+          <a:xfrm>
+            <a:off x="8996621" y="4445045"/>
+            <a:ext cx="600075" cy="628650"/>
+          </a:xfrm>
+          <a:prstGeom prst="rect">
+            <a:avLst/>
+          </a:prstGeom>
+        </p:spPr>
+      </p:pic>
+      <p:sp>
+        <p:nvSpPr>
+          <p:cNvPr id="50" name="TextBox 49">
+            <a:extLst>
+              <a:ext uri="{FF2B5EF4-FFF2-40B4-BE49-F238E27FC236}">
+                <a16:creationId xmlns:a16="http://schemas.microsoft.com/office/drawing/2014/main" id="{A7C47536-5ACB-446F-BCCC-E1F6F5674FF5}"/>
+              </a:ext>
+            </a:extLst>
+          </p:cNvPr>
+          <p:cNvSpPr txBox="1"/>
+          <p:nvPr/>
+        </p:nvSpPr>
+        <p:spPr>
+          <a:xfrm>
+            <a:off x="9628070" y="5341602"/>
+            <a:ext cx="1390261" cy="369332"/>
+          </a:xfrm>
+          <a:prstGeom prst="rect">
+            <a:avLst/>
+          </a:prstGeom>
+          <a:noFill/>
+        </p:spPr>
+        <p:txBody>
+          <a:bodyPr wrap="square" rtlCol="0">
+            <a:spAutoFit/>
+          </a:bodyPr>
+          <a:lstStyle/>
+          <a:p>
+            <a:r>
+              <a:rPr lang="en-US" b="1" dirty="0"/>
+              <a:t>B antigen</a:t>
+            </a:r>
+          </a:p>
+        </p:txBody>
+      </p:sp>
     </p:spTree>
     <p:extLst>
       <p:ext uri="{BB962C8B-B14F-4D97-AF65-F5344CB8AC3E}">
@@ -11339,6 +12844,136 @@
           </a:p>
         </p:txBody>
       </p:sp>
+      <p:sp>
+        <p:nvSpPr>
+          <p:cNvPr id="32" name="TextBox 31">
+            <a:extLst>
+              <a:ext uri="{FF2B5EF4-FFF2-40B4-BE49-F238E27FC236}">
+                <a16:creationId xmlns:a16="http://schemas.microsoft.com/office/drawing/2014/main" id="{0BCDB789-5226-4893-AC8C-DF985FBD285F}"/>
+              </a:ext>
+            </a:extLst>
+          </p:cNvPr>
+          <p:cNvSpPr txBox="1"/>
+          <p:nvPr/>
+        </p:nvSpPr>
+        <p:spPr>
+          <a:xfrm>
+            <a:off x="9727843" y="4526510"/>
+            <a:ext cx="1390261" cy="369332"/>
+          </a:xfrm>
+          <a:prstGeom prst="rect">
+            <a:avLst/>
+          </a:prstGeom>
+          <a:noFill/>
+        </p:spPr>
+        <p:txBody>
+          <a:bodyPr wrap="square" rtlCol="0">
+            <a:spAutoFit/>
+          </a:bodyPr>
+          <a:lstStyle/>
+          <a:p>
+            <a:r>
+              <a:rPr lang="en-US" b="1" dirty="0"/>
+              <a:t>A antigen</a:t>
+            </a:r>
+          </a:p>
+        </p:txBody>
+      </p:sp>
+      <p:pic>
+        <p:nvPicPr>
+          <p:cNvPr id="33" name="Picture 32">
+            <a:extLst>
+              <a:ext uri="{FF2B5EF4-FFF2-40B4-BE49-F238E27FC236}">
+                <a16:creationId xmlns:a16="http://schemas.microsoft.com/office/drawing/2014/main" id="{62F2AEA8-D4B9-45E1-872E-E11DEF921B64}"/>
+              </a:ext>
+            </a:extLst>
+          </p:cNvPr>
+          <p:cNvPicPr>
+            <a:picLocks noChangeAspect="1"/>
+          </p:cNvPicPr>
+          <p:nvPr/>
+        </p:nvPicPr>
+        <p:blipFill>
+          <a:blip r:embed="rId6"/>
+          <a:stretch>
+            <a:fillRect/>
+          </a:stretch>
+        </p:blipFill>
+        <p:spPr>
+          <a:xfrm>
+            <a:off x="9004734" y="5282233"/>
+            <a:ext cx="526157" cy="478633"/>
+          </a:xfrm>
+          <a:prstGeom prst="rect">
+            <a:avLst/>
+          </a:prstGeom>
+        </p:spPr>
+      </p:pic>
+      <p:pic>
+        <p:nvPicPr>
+          <p:cNvPr id="34" name="Picture 33">
+            <a:extLst>
+              <a:ext uri="{FF2B5EF4-FFF2-40B4-BE49-F238E27FC236}">
+                <a16:creationId xmlns:a16="http://schemas.microsoft.com/office/drawing/2014/main" id="{D9CDCCF9-FFCE-4AE0-B6D0-567F596F2338}"/>
+              </a:ext>
+            </a:extLst>
+          </p:cNvPr>
+          <p:cNvPicPr>
+            <a:picLocks noChangeAspect="1"/>
+          </p:cNvPicPr>
+          <p:nvPr/>
+        </p:nvPicPr>
+        <p:blipFill>
+          <a:blip r:embed="rId7"/>
+          <a:stretch>
+            <a:fillRect/>
+          </a:stretch>
+        </p:blipFill>
+        <p:spPr>
+          <a:xfrm>
+            <a:off x="8996621" y="4445045"/>
+            <a:ext cx="600075" cy="628650"/>
+          </a:xfrm>
+          <a:prstGeom prst="rect">
+            <a:avLst/>
+          </a:prstGeom>
+        </p:spPr>
+      </p:pic>
+      <p:sp>
+        <p:nvSpPr>
+          <p:cNvPr id="37" name="TextBox 36">
+            <a:extLst>
+              <a:ext uri="{FF2B5EF4-FFF2-40B4-BE49-F238E27FC236}">
+                <a16:creationId xmlns:a16="http://schemas.microsoft.com/office/drawing/2014/main" id="{00CC50E7-BAFC-4D8D-B7CC-83CDB665480C}"/>
+              </a:ext>
+            </a:extLst>
+          </p:cNvPr>
+          <p:cNvSpPr txBox="1"/>
+          <p:nvPr/>
+        </p:nvSpPr>
+        <p:spPr>
+          <a:xfrm>
+            <a:off x="9628070" y="5341602"/>
+            <a:ext cx="1390261" cy="369332"/>
+          </a:xfrm>
+          <a:prstGeom prst="rect">
+            <a:avLst/>
+          </a:prstGeom>
+          <a:noFill/>
+        </p:spPr>
+        <p:txBody>
+          <a:bodyPr wrap="square" rtlCol="0">
+            <a:spAutoFit/>
+          </a:bodyPr>
+          <a:lstStyle/>
+          <a:p>
+            <a:r>
+              <a:rPr lang="en-US" b="1" dirty="0"/>
+              <a:t>B antigen</a:t>
+            </a:r>
+          </a:p>
+        </p:txBody>
+      </p:sp>
     </p:spTree>
     <p:extLst>
       <p:ext uri="{BB962C8B-B14F-4D97-AF65-F5344CB8AC3E}">
